--- a/docs/Vibe_Vault_Legion_Pitch_Deck.pptx
+++ b/docs/Vibe_Vault_Legion_Pitch_Deck.pptx
@@ -33,6 +33,7 @@
     <p:sldId id="281" r:id="rId27"/>
     <p:sldId id="282" r:id="rId28"/>
     <p:sldId id="283" r:id="rId29"/>
+    <p:sldId id="284" r:id="rId30"/>
   </p:sldIdLst>
   <p:sldSz cx="9144000" cy="5143500" type="screen16x9"/>
   <p:notesSz cx="6858000" cy="9144000"/>
@@ -3302,6 +3303,335 @@
             <p:ph type="title"/>
           </p:nvPr>
         </p:nvSpPr>
+        <p:spPr/>
+        <p:txBody>
+          <a:bodyPr/>
+          <a:lstStyle/>
+          <a:p>
+            <a:pPr lvl="0" indent="0" marL="0">
+              <a:buNone/>
+            </a:pPr>
+            <a:r>
+              <a:rPr/>
+              <a:t>Slide 10: Strategic Partnership - Yearn Finance</a:t>
+            </a:r>
+          </a:p>
+        </p:txBody>
+      </p:sp>
+      <p:sp>
+        <p:nvSpPr>
+          <p:cNvPr id="3" name="Content Placeholder 2"/>
+          <p:cNvSpPr>
+            <a:spLocks noGrp="1"/>
+          </p:cNvSpPr>
+          <p:nvPr>
+            <p:ph idx="1"/>
+          </p:nvPr>
+        </p:nvSpPr>
+        <p:spPr/>
+        <p:txBody>
+          <a:bodyPr/>
+          <a:lstStyle/>
+          <a:p>
+            <a:pPr lvl="0" indent="0" marL="0">
+              <a:spcBef>
+                <a:spcPts val="3000"/>
+              </a:spcBef>
+              <a:buNone/>
+            </a:pPr>
+            <a:r>
+              <a:rPr b="1"/>
+              <a:t>Vibe Vault × Yearn × Kalani: Democratizing Yearn Vault Creation</a:t>
+            </a:r>
+          </a:p>
+          <a:p>
+            <a:pPr lvl="0" indent="0" marL="0">
+              <a:buNone/>
+            </a:pPr>
+            <a:r>
+              <a:rPr b="1"/>
+              <a:t>Partnership Announcement</a:t>
+            </a:r>
+          </a:p>
+          <a:p>
+            <a:pPr lvl="0" indent="0" marL="0">
+              <a:buNone/>
+            </a:pPr>
+            <a:r>
+              <a:rPr/>
+              <a:t>Vibe Vault has partnered with </a:t>
+            </a:r>
+            <a:r>
+              <a:rPr b="1"/>
+              <a:t>Yearn Finance</a:t>
+            </a:r>
+            <a:r>
+              <a:rPr/>
+              <a:t> ($804M+ TVL) and </a:t>
+            </a:r>
+            <a:r>
+              <a:rPr b="1"/>
+              <a:t>Kalani</a:t>
+            </a:r>
+            <a:r>
+              <a:rPr/>
+              <a:t> (Yearn’s vault management platform) to enable AI-powered creation of custom Yearn strategies.</a:t>
+            </a:r>
+          </a:p>
+          <a:p>
+            <a:pPr lvl="0" indent="0" marL="0">
+              <a:buNone/>
+            </a:pPr>
+            <a:r>
+              <a:rPr b="1"/>
+              <a:t>What This Means:</a:t>
+            </a:r>
+          </a:p>
+          <a:p>
+            <a:pPr lvl="0" indent="0" marL="0">
+              <a:buNone/>
+            </a:pPr>
+            <a:r>
+              <a:rPr/>
+              <a:t>🤖 </a:t>
+            </a:r>
+            <a:r>
+              <a:rPr b="1"/>
+              <a:t>AI-Generated Yearn Vaults</a:t>
+            </a:r>
+            <a:r>
+              <a:rPr/>
+              <a:t> - Users can “Vibe Code” custom Yearn V3 vault combinations using natural language - Generate ERC-4626 strategies based on Kalani’s battle-tested specifications - Compose existing Yearn strategies into new custom allocations</a:t>
+            </a:r>
+          </a:p>
+          <a:p>
+            <a:pPr lvl="0" indent="0" marL="0">
+              <a:buNone/>
+            </a:pPr>
+            <a:r>
+              <a:rPr/>
+              <a:t>⚡ </a:t>
+            </a:r>
+            <a:r>
+              <a:rPr b="1"/>
+              <a:t>Seamless Deployment &amp; Execution</a:t>
+            </a:r>
+            <a:r>
+              <a:rPr/>
+              <a:t> - Deploy custom vaults to Ethereum, Polygon, Arbitrum, Base via Paloma - Paloma Chain executes all deposits, withdrawals, and rebalancing - No RPC infrastructure required - validators handle everything</a:t>
+            </a:r>
+          </a:p>
+          <a:p>
+            <a:pPr lvl="0" indent="0" marL="0">
+              <a:buNone/>
+            </a:pPr>
+            <a:r>
+              <a:rPr/>
+              <a:t>🗄️ </a:t>
+            </a:r>
+            <a:r>
+              <a:rPr b="1"/>
+              <a:t>Secure Data Management</a:t>
+            </a:r>
+            <a:r>
+              <a:rPr/>
+              <a:t> - All vault configurations stored in SerenDB - Real-time performance tracking and analytics - AI learns from successful strategies to improve recommendations</a:t>
+            </a:r>
+          </a:p>
+          <a:p>
+            <a:pPr lvl="0" indent="0" marL="0">
+              <a:buNone/>
+            </a:pPr>
+            <a:r>
+              <a:rPr b="1"/>
+              <a:t>Partnership Benefits:</a:t>
+            </a:r>
+          </a:p>
+          <a:p>
+            <a:pPr lvl="0" indent="0" marL="0">
+              <a:buNone/>
+            </a:pPr>
+            <a:r>
+              <a:rPr b="1"/>
+              <a:t>For Users:</a:t>
+            </a:r>
+            <a:r>
+              <a:rPr/>
+              <a:t> - Create custom Yearn strategies without coding - Charge your own management fees (you become the vault operator) - Access $804M+ Yearn ecosystem TVL and proven strategies - Deploy in minutes vs. months of traditional development</a:t>
+            </a:r>
+          </a:p>
+          <a:p>
+            <a:pPr lvl="0" indent="0" marL="0">
+              <a:buNone/>
+            </a:pPr>
+            <a:r>
+              <a:rPr b="1"/>
+              <a:t>For Yearn:</a:t>
+            </a:r>
+            <a:r>
+              <a:rPr/>
+              <a:t> - Dramatically expands vault creator base from ~20 core developers to thousands - Increases protocol innovation velocity - New revenue streams from user-deployed vaults - Strengthens ecosystem through AI-powered composability</a:t>
+            </a:r>
+          </a:p>
+          <a:p>
+            <a:pPr lvl="0" indent="0" marL="0">
+              <a:buNone/>
+            </a:pPr>
+            <a:r>
+              <a:rPr b="1"/>
+              <a:t>For Vibe Vault:</a:t>
+            </a:r>
+            <a:r>
+              <a:rPr/>
+              <a:t> - </a:t>
+            </a:r>
+            <a:r>
+              <a:rPr b="1"/>
+              <a:t>Day-1 Integration:</a:t>
+            </a:r>
+            <a:r>
+              <a:rPr/>
+              <a:t> Immediate access to Yearn’s proven vault infrastructure - </a:t>
+            </a:r>
+            <a:r>
+              <a:rPr b="1"/>
+              <a:t>Validation:</a:t>
+            </a:r>
+            <a:r>
+              <a:rPr/>
+              <a:t> Partnership with #1 DeFi yield aggregator ($804M+ TVL) - </a:t>
+            </a:r>
+            <a:r>
+              <a:rPr b="1"/>
+              <a:t>Network Effects:</a:t>
+            </a:r>
+            <a:r>
+              <a:rPr/>
+              <a:t> Every Yearn user becomes potential Vibe Vault creator - </a:t>
+            </a:r>
+            <a:r>
+              <a:rPr b="1"/>
+              <a:t>Proven Strategies:</a:t>
+            </a:r>
+            <a:r>
+              <a:rPr/>
+              <a:t> 18 battle-tested vaults to template and compose</a:t>
+            </a:r>
+          </a:p>
+          <a:p>
+            <a:pPr lvl="0" indent="0" marL="0">
+              <a:buNone/>
+            </a:pPr>
+            <a:r>
+              <a:rPr b="1"/>
+              <a:t>Example Use Case:</a:t>
+            </a:r>
+          </a:p>
+          <a:p>
+            <a:pPr lvl="0" indent="0">
+              <a:buNone/>
+            </a:pPr>
+            <a:r>
+              <a:rPr>
+                <a:latin typeface="Courier"/>
+              </a:rPr>
+              <a:t>User prompt: "Create a Yearn vault that allocates 50% to Morpho Gauntlet
+WETH (0.99% APY) and 50% to vbETH yVault (2.25% APY) with automatic
+rebalancing when spread &gt; 1%"
+↓ Vibe Vault AI generates ERC-4626 allocator vault
+↓ Deploys via Paloma to Ethereum mainnet
+↓ User sets 0.3% management fee
+↓ Strategy goes live in &lt; 10 minutes</a:t>
+            </a:r>
+          </a:p>
+          <a:p>
+            <a:pPr lvl="0" indent="0" marL="0">
+              <a:buNone/>
+            </a:pPr>
+            <a:r>
+              <a:rPr b="1"/>
+              <a:t>Launch Metrics:</a:t>
+            </a:r>
+            <a:r>
+              <a:rPr/>
+              <a:t> - </a:t>
+            </a:r>
+            <a:r>
+              <a:rPr b="1"/>
+              <a:t>18 Yearn Vaults</a:t>
+            </a:r>
+            <a:r>
+              <a:rPr/>
+              <a:t> ready for AI composition at launch - </a:t>
+            </a:r>
+            <a:r>
+              <a:rPr b="1"/>
+              <a:t>$804.21M TVL</a:t>
+            </a:r>
+            <a:r>
+              <a:rPr/>
+              <a:t> across Yearn ecosystem (potential market) - </a:t>
+            </a:r>
+            <a:r>
+              <a:rPr b="1"/>
+              <a:t>3 Vault Types:</a:t>
+            </a:r>
+            <a:r>
+              <a:rPr/>
+              <a:t> Allocator, Strategy, and Legacy vaults supported - </a:t>
+            </a:r>
+            <a:r>
+              <a:rPr b="1"/>
+              <a:t>4 Chains:</a:t>
+            </a:r>
+            <a:r>
+              <a:rPr/>
+              <a:t> Ethereum, Katana, Polygon, Arbitrum support</a:t>
+            </a:r>
+          </a:p>
+          <a:p>
+            <a:pPr lvl="0" indent="0" marL="0">
+              <a:buNone/>
+            </a:pPr>
+            <a:r>
+              <a:rPr i="1"/>
+              <a:t>The Yearn partnership transforms Vibe Vault from concept to production-ready platform with battle-tested infrastructure from day one.</a:t>
+            </a:r>
+          </a:p>
+        </p:txBody>
+      </p:sp>
+    </p:spTree>
+  </p:cSld>
+</p:sld>
+</file>
+
+<file path=ppt/slides/slide12.xml><?xml version="1.0" encoding="utf-8"?>
+<p:sld xmlns:a="http://schemas.openxmlformats.org/drawingml/2006/main" xmlns:r="http://schemas.openxmlformats.org/officeDocument/2006/relationships" xmlns:p="http://schemas.openxmlformats.org/presentationml/2006/main">
+  <p:cSld>
+    <p:spTree>
+      <p:nvGrpSpPr>
+        <p:cNvPr id="1" name=""/>
+        <p:cNvGrpSpPr/>
+        <p:nvPr/>
+      </p:nvGrpSpPr>
+      <p:grpSpPr>
+        <a:xfrm>
+          <a:off x="0" y="0"/>
+          <a:ext cx="0" cy="0"/>
+          <a:chOff x="0" y="0"/>
+          <a:chExt cx="0" cy="0"/>
+        </a:xfrm>
+      </p:grpSpPr>
+      <p:sp>
+        <p:nvSpPr>
+          <p:cNvPr id="2" name="Title 1"/>
+          <p:cNvSpPr>
+            <a:spLocks noGrp="1"/>
+          </p:cNvSpPr>
+          <p:nvPr>
+            <p:ph type="title"/>
+          </p:nvPr>
+        </p:nvSpPr>
         <p:spPr>
           <a:xfrm>
             <a:off x="457201" y="204787"/>
@@ -3317,7 +3647,7 @@
             </a:pPr>
             <a:r>
               <a:rPr/>
-              <a:t>Slide 10: Competition &amp; Differentiation</a:t>
+              <a:t>Slide 11: Competition &amp; Differentiation</a:t>
             </a:r>
           </a:p>
         </p:txBody>
@@ -3930,98 +4260,6 @@
 </p:sld>
 </file>
 
-<file path=ppt/slides/slide12.xml><?xml version="1.0" encoding="utf-8"?>
-<p:sld xmlns:a="http://schemas.openxmlformats.org/drawingml/2006/main" xmlns:r="http://schemas.openxmlformats.org/officeDocument/2006/relationships" xmlns:p="http://schemas.openxmlformats.org/presentationml/2006/main">
-  <p:cSld>
-    <p:spTree>
-      <p:nvGrpSpPr>
-        <p:cNvPr id="1" name=""/>
-        <p:cNvGrpSpPr/>
-        <p:nvPr/>
-      </p:nvGrpSpPr>
-      <p:grpSpPr>
-        <a:xfrm>
-          <a:off x="0" y="0"/>
-          <a:ext cx="0" cy="0"/>
-          <a:chOff x="0" y="0"/>
-          <a:chExt cx="0" cy="0"/>
-        </a:xfrm>
-      </p:grpSpPr>
-      <p:sp>
-        <p:nvSpPr>
-          <p:cNvPr id="3" name="Content Placeholder 2"/>
-          <p:cNvSpPr>
-            <a:spLocks noGrp="1"/>
-          </p:cNvSpPr>
-          <p:nvPr>
-            <p:ph idx="1"/>
-          </p:nvPr>
-        </p:nvSpPr>
-        <p:spPr/>
-        <p:txBody>
-          <a:bodyPr/>
-          <a:lstStyle/>
-          <a:p>
-            <a:pPr lvl="0" indent="0" marL="0">
-              <a:buNone/>
-            </a:pPr>
-            <a:r>
-              <a:rPr b="1"/>
-              <a:t>Key Differentiators:</a:t>
-            </a:r>
-            <a:r>
-              <a:rPr/>
-              <a:t> - </a:t>
-            </a:r>
-            <a:r>
-              <a:rPr b="1"/>
-              <a:t>Only platform</a:t>
-            </a:r>
-            <a:r>
-              <a:rPr/>
-              <a:t> enabling user-generated vault strategies via AI - </a:t>
-            </a:r>
-            <a:r>
-              <a:rPr b="1"/>
-              <a:t>Decentralized deployment</a:t>
-            </a:r>
-            <a:r>
-              <a:rPr/>
-              <a:t> through Paloma validators (no RPC costs) - </a:t>
-            </a:r>
-            <a:r>
-              <a:rPr b="1"/>
-              <a:t>AI safety validation</a:t>
-            </a:r>
-            <a:r>
-              <a:rPr/>
-              <a:t> built-in (not just code generation) - </a:t>
-            </a:r>
-            <a:r>
-              <a:rPr b="1"/>
-              <a:t>SerenDB intelligence</a:t>
-            </a:r>
-            <a:r>
-              <a:rPr/>
-              <a:t> layer for continuous learning</a:t>
-            </a:r>
-          </a:p>
-          <a:p>
-            <a:pPr lvl="0" indent="0" marL="0">
-              <a:buNone/>
-            </a:pPr>
-            <a:r>
-              <a:rPr i="1"/>
-              <a:t>We’re not competing with vault aggregators. We’re empowering vault creators.</a:t>
-            </a:r>
-          </a:p>
-        </p:txBody>
-      </p:sp>
-    </p:spTree>
-  </p:cSld>
-</p:sld>
-</file>
-
 <file path=ppt/slides/slide13.xml><?xml version="1.0" encoding="utf-8"?>
 <p:sld xmlns:a="http://schemas.openxmlformats.org/drawingml/2006/main" xmlns:r="http://schemas.openxmlformats.org/officeDocument/2006/relationships" xmlns:p="http://schemas.openxmlformats.org/presentationml/2006/main">
   <p:cSld>
@@ -4041,31 +4279,6 @@
       </p:grpSpPr>
       <p:sp>
         <p:nvSpPr>
-          <p:cNvPr id="2" name="Title 1"/>
-          <p:cNvSpPr>
-            <a:spLocks noGrp="1"/>
-          </p:cNvSpPr>
-          <p:nvPr>
-            <p:ph type="title"/>
-          </p:nvPr>
-        </p:nvSpPr>
-        <p:spPr/>
-        <p:txBody>
-          <a:bodyPr/>
-          <a:lstStyle/>
-          <a:p>
-            <a:pPr lvl="0" indent="0" marL="0">
-              <a:buNone/>
-            </a:pPr>
-            <a:r>
-              <a:rPr/>
-              <a:t>Slide 11: Roadmap &amp; Milestones</a:t>
-            </a:r>
-          </a:p>
-        </p:txBody>
-      </p:sp>
-      <p:sp>
-        <p:nvSpPr>
           <p:cNvPr id="3" name="Content Placeholder 2"/>
           <p:cNvSpPr>
             <a:spLocks noGrp="1"/>
@@ -4080,87 +4293,56 @@
           <a:lstStyle/>
           <a:p>
             <a:pPr lvl="0" indent="0" marL="0">
-              <a:spcBef>
-                <a:spcPts val="3000"/>
-              </a:spcBef>
-              <a:buNone/>
-            </a:pPr>
-            <a:r>
-              <a:rPr b="1"/>
-              <a:t>6 Months to TGE | Aggressive Development Sprints</a:t>
-            </a:r>
-          </a:p>
-          <a:p>
-            <a:pPr lvl="0" indent="0" marL="0">
-              <a:buNone/>
-            </a:pPr>
-            <a:r>
-              <a:rPr b="1"/>
-              <a:t>Month 1: Foundation</a:t>
-            </a:r>
-            <a:r>
-              <a:rPr/>
-              <a:t> ✅ (If started) - Engineering team onboarding - SerenDB production deployment - Paloma LightNode integration - AI contract generation pipeline (Vyper templates)</a:t>
-            </a:r>
-          </a:p>
-          <a:p>
-            <a:pPr lvl="0" indent="0" marL="0">
-              <a:buNone/>
-            </a:pPr>
-            <a:r>
-              <a:rPr b="1"/>
-              <a:t>Month 2: Core Development</a:t>
-            </a:r>
-            <a:r>
-              <a:rPr/>
-              <a:t> - Simple strategy AI generation (single-protocol vaults) - Decentralized front-end MVP - Deploy to 3-5 chains - </a:t>
-            </a:r>
-            <a:r>
-              <a:rPr b="1"/>
-              <a:t>Milestone: Cross-chain perpetual vault proof-of-concept</a:t>
-            </a:r>
-          </a:p>
-          <a:p>
-            <a:pPr lvl="0" indent="0" marL="0">
-              <a:buNone/>
-            </a:pPr>
-            <a:r>
-              <a:rPr b="1"/>
-              <a:t>Month 3: Advanced Features</a:t>
-            </a:r>
-            <a:r>
-              <a:rPr/>
-              <a:t> - Multi-step strategy generation - AI security audit system - Compass EVM cross-chain execution - User dashboard and management interface</a:t>
-            </a:r>
-          </a:p>
-          <a:p>
-            <a:pPr lvl="0" indent="0" marL="0">
-              <a:buNone/>
-            </a:pPr>
-            <a:r>
-              <a:rPr b="1"/>
-              <a:t>Months 4-6: Launch Preparation</a:t>
-            </a:r>
-            <a:r>
-              <a:rPr/>
-              <a:t> - Comprehensive security audits - Expand to 10+ chains - CEX listing negotiations - Marketing campaigns - </a:t>
-            </a:r>
-            <a:r>
-              <a:rPr b="1"/>
-              <a:t>TGE: CEX + DEX listings with full liquidity</a:t>
-            </a:r>
-          </a:p>
-          <a:p>
-            <a:pPr lvl="0" indent="0" marL="0">
-              <a:buNone/>
-            </a:pPr>
-            <a:r>
-              <a:rPr b="1"/>
-              <a:t>Post-TGE Goal:</a:t>
-            </a:r>
-            <a:r>
-              <a:rPr/>
-              <a:t> 100+ community-deployed vaults in first 30 days</a:t>
+              <a:buNone/>
+            </a:pPr>
+            <a:r>
+              <a:rPr b="1"/>
+              <a:t>Key Differentiators:</a:t>
+            </a:r>
+            <a:r>
+              <a:rPr/>
+              <a:t> - </a:t>
+            </a:r>
+            <a:r>
+              <a:rPr b="1"/>
+              <a:t>Only platform</a:t>
+            </a:r>
+            <a:r>
+              <a:rPr/>
+              <a:t> enabling user-generated vault strategies via AI - </a:t>
+            </a:r>
+            <a:r>
+              <a:rPr b="1"/>
+              <a:t>Decentralized deployment</a:t>
+            </a:r>
+            <a:r>
+              <a:rPr/>
+              <a:t> through Paloma validators (no RPC costs) - </a:t>
+            </a:r>
+            <a:r>
+              <a:rPr b="1"/>
+              <a:t>AI safety validation</a:t>
+            </a:r>
+            <a:r>
+              <a:rPr/>
+              <a:t> built-in (not just code generation) - </a:t>
+            </a:r>
+            <a:r>
+              <a:rPr b="1"/>
+              <a:t>SerenDB intelligence</a:t>
+            </a:r>
+            <a:r>
+              <a:rPr/>
+              <a:t> layer for continuous learning</a:t>
+            </a:r>
+          </a:p>
+          <a:p>
+            <a:pPr lvl="0" indent="0" marL="0">
+              <a:buNone/>
+            </a:pPr>
+            <a:r>
+              <a:rPr i="1"/>
+              <a:t>We’re not competing with vault aggregators. We’re empowering vault creators.</a:t>
             </a:r>
           </a:p>
         </p:txBody>
@@ -4207,7 +4389,7 @@
             </a:pPr>
             <a:r>
               <a:rPr/>
-              <a:t>Slide 12: Tokenomics &amp; Distribution</a:t>
+              <a:t>Slide 11: Roadmap &amp; Milestones</a:t>
             </a:r>
           </a:p>
         </p:txBody>
@@ -4235,115 +4417,80 @@
             </a:pPr>
             <a:r>
               <a:rPr b="1"/>
-              <a:t>$3M Raise | 10M VVAULT Tokens | All Unlocked at TGE</a:t>
-            </a:r>
-          </a:p>
-          <a:p>
-            <a:pPr lvl="0" indent="0" marL="0">
-              <a:buNone/>
-            </a:pPr>
-            <a:r>
-              <a:rPr b="1"/>
-              <a:t>Token Distribution:</a:t>
-            </a:r>
-            <a:r>
-              <a:rPr/>
-              <a:t> - </a:t>
-            </a:r>
-            <a:r>
-              <a:rPr b="1"/>
-              <a:t>80% (8M VVAULT)</a:t>
-            </a:r>
-            <a:r>
-              <a:rPr/>
-              <a:t> → Legion ICO participants (merit-based) - </a:t>
-            </a:r>
-            <a:r>
-              <a:rPr b="1"/>
-              <a:t>18% (1.8M VVAULT)</a:t>
-            </a:r>
-            <a:r>
-              <a:rPr/>
-              <a:t> + $600K USDC �� DEX liquidity pools - </a:t>
-            </a:r>
-            <a:r>
-              <a:rPr b="1"/>
-              <a:t>2% (200K VVAULT)</a:t>
-            </a:r>
-            <a:r>
-              <a:rPr/>
-              <a:t> → CEX listing reserves &amp; market making - </a:t>
-            </a:r>
-            <a:r>
-              <a:rPr b="1"/>
-              <a:t>Remaining $2.4M USDC</a:t>
-            </a:r>
-            <a:r>
-              <a:rPr/>
-              <a:t> → Paloma Foundation Treasury</a:t>
-            </a:r>
-          </a:p>
-          <a:p>
-            <a:pPr lvl="0" indent="0" marL="0">
-              <a:buNone/>
-            </a:pPr>
-            <a:r>
-              <a:rPr b="1"/>
-              <a:t>Token Generation Event (6 months):</a:t>
-            </a:r>
-            <a:r>
-              <a:rPr/>
-              <a:t> - All tokens fully unlocked at TGE - Simultaneous CEX + DEX listings - Initial liquidity: $600K + 1.8M VVAULT - No vesting, no cliffs</a:t>
-            </a:r>
-          </a:p>
-          <a:p>
-            <a:pPr lvl="0" indent="0" marL="0">
-              <a:buNone/>
-            </a:pPr>
-            <a:r>
-              <a:rPr b="1"/>
-              <a:t>Token Utility:</a:t>
-            </a:r>
-            <a:r>
-              <a:rPr/>
-              <a:t> - </a:t>
-            </a:r>
-            <a:r>
-              <a:rPr b="1"/>
-              <a:t>Governance:</a:t>
-            </a:r>
-            <a:r>
-              <a:rPr/>
-              <a:t> Vote on platform fee parameters - </a:t>
-            </a:r>
-            <a:r>
-              <a:rPr b="1"/>
-              <a:t>Revenue:</a:t>
-            </a:r>
-            <a:r>
-              <a:rPr/>
-              <a:t> 100% of fees flow to stakers - </a:t>
-            </a:r>
-            <a:r>
-              <a:rPr b="1"/>
-              <a:t>Access:</a:t>
-            </a:r>
-            <a:r>
-              <a:rPr/>
-              <a:t> Priority features and vault templates (future)</a:t>
-            </a:r>
-          </a:p>
-          <a:p>
-            <a:pPr lvl="0" indent="0" marL="0">
-              <a:buNone/>
-            </a:pPr>
-            <a:r>
-              <a:rPr b="1"/>
-              <a:t>Listing Strategy:</a:t>
-            </a:r>
-            <a:r>
-              <a:rPr/>
-              <a:t> - CEX partnerships with 200K VVAULT reserve - Multi-chain DEX liquidity (Uniswap, PancakeSwap, etc.) - Market maker agreements for liquidity</a:t>
+              <a:t>6 Months to TGE | Aggressive Development Sprints</a:t>
+            </a:r>
+          </a:p>
+          <a:p>
+            <a:pPr lvl="0" indent="0" marL="0">
+              <a:buNone/>
+            </a:pPr>
+            <a:r>
+              <a:rPr b="1"/>
+              <a:t>Month 1: Foundation</a:t>
+            </a:r>
+            <a:r>
+              <a:rPr/>
+              <a:t> ✅ (If started) - Engineering team onboarding - SerenDB production deployment - Paloma LightNode integration - AI contract generation pipeline (Vyper templates)</a:t>
+            </a:r>
+          </a:p>
+          <a:p>
+            <a:pPr lvl="0" indent="0" marL="0">
+              <a:buNone/>
+            </a:pPr>
+            <a:r>
+              <a:rPr b="1"/>
+              <a:t>Month 2: Core Development</a:t>
+            </a:r>
+            <a:r>
+              <a:rPr/>
+              <a:t> - Simple strategy AI generation (single-protocol vaults) - Decentralized front-end MVP - Deploy to 3-5 chains - </a:t>
+            </a:r>
+            <a:r>
+              <a:rPr b="1"/>
+              <a:t>Milestone: Cross-chain perpetual vault proof-of-concept</a:t>
+            </a:r>
+          </a:p>
+          <a:p>
+            <a:pPr lvl="0" indent="0" marL="0">
+              <a:buNone/>
+            </a:pPr>
+            <a:r>
+              <a:rPr b="1"/>
+              <a:t>Month 3: Advanced Features</a:t>
+            </a:r>
+            <a:r>
+              <a:rPr/>
+              <a:t> - Multi-step strategy generation - AI security audit system - Compass EVM cross-chain execution - User dashboard and management interface</a:t>
+            </a:r>
+          </a:p>
+          <a:p>
+            <a:pPr lvl="0" indent="0" marL="0">
+              <a:buNone/>
+            </a:pPr>
+            <a:r>
+              <a:rPr b="1"/>
+              <a:t>Months 4-6: Launch Preparation</a:t>
+            </a:r>
+            <a:r>
+              <a:rPr/>
+              <a:t> - Comprehensive security audits - Expand to 10+ chains - CEX listing negotiations - Marketing campaigns - </a:t>
+            </a:r>
+            <a:r>
+              <a:rPr b="1"/>
+              <a:t>TGE: CEX + DEX listings with full liquidity</a:t>
+            </a:r>
+          </a:p>
+          <a:p>
+            <a:pPr lvl="0" indent="0" marL="0">
+              <a:buNone/>
+            </a:pPr>
+            <a:r>
+              <a:rPr b="1"/>
+              <a:t>Post-TGE Goal:</a:t>
+            </a:r>
+            <a:r>
+              <a:rPr/>
+              <a:t> 100+ community-deployed vaults in first 30 days</a:t>
             </a:r>
           </a:p>
         </p:txBody>
@@ -4390,7 +4537,7 @@
             </a:pPr>
             <a:r>
               <a:rPr/>
-              <a:t>Slide 13: Use of Funds - $3M Allocation</a:t>
+              <a:t>Slide 12: Tokenomics &amp; Distribution</a:t>
             </a:r>
           </a:p>
         </p:txBody>
@@ -4418,72 +4565,115 @@
             </a:pPr>
             <a:r>
               <a:rPr b="1"/>
-              <a:t>Capital-Efficient Deployment Across 5 Categories</a:t>
-            </a:r>
-          </a:p>
-          <a:p>
-            <a:pPr lvl="0" indent="0" marL="0">
-              <a:buNone/>
-            </a:pPr>
-            <a:r>
-              <a:rPr b="1"/>
-              <a:t>50% - Product Development ($1.5M)</a:t>
-            </a:r>
-            <a:r>
-              <a:rPr/>
-              <a:t> - Core platform engineering (AI generation, deployment engine) - Paloma LightNode decentralized front-end - Multi-chain integration (Compass EVM Actions) - Security audits (contract templates + AI systems) - Backend infrastructure and APIs</a:t>
-            </a:r>
-          </a:p>
-          <a:p>
-            <a:pPr lvl="0" indent="0" marL="0">
-              <a:buNone/>
-            </a:pPr>
-            <a:r>
-              <a:rPr b="1"/>
-              <a:t>20% - Marketing &amp; CEX Partnerships ($600K)</a:t>
-            </a:r>
-            <a:r>
-              <a:rPr/>
-              <a:t> - Centralized exchange listing campaigns - Market maker agreements - Community building &amp; social campaigns - Influencer/KOL engagement - Conference presence &amp; partnerships - Developer relations</a:t>
-            </a:r>
-          </a:p>
-          <a:p>
-            <a:pPr lvl="0" indent="0" marL="0">
-              <a:buNone/>
-            </a:pPr>
-            <a:r>
-              <a:rPr b="1"/>
-              <a:t>15% - SerenDB Deployment ($450K)</a:t>
-            </a:r>
-            <a:r>
-              <a:rPr/>
-              <a:t> - Production infrastructure scaling - AI-native database optimization - Real-time blockchain indexing (all chains) - Global hosting infrastructure</a:t>
-            </a:r>
-          </a:p>
-          <a:p>
-            <a:pPr lvl="0" indent="0" marL="0">
-              <a:buNone/>
-            </a:pPr>
-            <a:r>
-              <a:rPr b="1"/>
-              <a:t>10% - Multi-Chain Infrastructure ($300K)</a:t>
-            </a:r>
-            <a:r>
-              <a:rPr/>
-              <a:t> - Paloma validator network integration - Compass EVM deployment across chains - Testing &amp; validation infrastructure - Legal &amp; compliance</a:t>
-            </a:r>
-          </a:p>
-          <a:p>
-            <a:pPr lvl="0" indent="0" marL="0">
-              <a:buNone/>
-            </a:pPr>
-            <a:r>
-              <a:rPr b="1"/>
-              <a:t>5% - Community Incentives ($150K)</a:t>
-            </a:r>
-            <a:r>
-              <a:rPr/>
-              <a:t> - Early adopter rewards - Vault creator grants - Bug bounties - Ecosystem development fund</a:t>
+              <a:t>$3M Raise | 10M VVAULT Tokens | All Unlocked at TGE</a:t>
+            </a:r>
+          </a:p>
+          <a:p>
+            <a:pPr lvl="0" indent="0" marL="0">
+              <a:buNone/>
+            </a:pPr>
+            <a:r>
+              <a:rPr b="1"/>
+              <a:t>Token Distribution:</a:t>
+            </a:r>
+            <a:r>
+              <a:rPr/>
+              <a:t> - </a:t>
+            </a:r>
+            <a:r>
+              <a:rPr b="1"/>
+              <a:t>80% (8M VVAULT)</a:t>
+            </a:r>
+            <a:r>
+              <a:rPr/>
+              <a:t> → Legion ICO participants (merit-based) - </a:t>
+            </a:r>
+            <a:r>
+              <a:rPr b="1"/>
+              <a:t>18% (1.8M VVAULT)</a:t>
+            </a:r>
+            <a:r>
+              <a:rPr/>
+              <a:t> + $600K USDC �� DEX liquidity pools - </a:t>
+            </a:r>
+            <a:r>
+              <a:rPr b="1"/>
+              <a:t>2% (200K VVAULT)</a:t>
+            </a:r>
+            <a:r>
+              <a:rPr/>
+              <a:t> → CEX listing reserves &amp; market making - </a:t>
+            </a:r>
+            <a:r>
+              <a:rPr b="1"/>
+              <a:t>Remaining $2.4M USDC</a:t>
+            </a:r>
+            <a:r>
+              <a:rPr/>
+              <a:t> → Paloma Foundation Treasury</a:t>
+            </a:r>
+          </a:p>
+          <a:p>
+            <a:pPr lvl="0" indent="0" marL="0">
+              <a:buNone/>
+            </a:pPr>
+            <a:r>
+              <a:rPr b="1"/>
+              <a:t>Token Generation Event (6 months):</a:t>
+            </a:r>
+            <a:r>
+              <a:rPr/>
+              <a:t> - All tokens fully unlocked at TGE - Simultaneous CEX + DEX listings - Initial liquidity: $600K + 1.8M VVAULT - No vesting, no cliffs</a:t>
+            </a:r>
+          </a:p>
+          <a:p>
+            <a:pPr lvl="0" indent="0" marL="0">
+              <a:buNone/>
+            </a:pPr>
+            <a:r>
+              <a:rPr b="1"/>
+              <a:t>Token Utility:</a:t>
+            </a:r>
+            <a:r>
+              <a:rPr/>
+              <a:t> - </a:t>
+            </a:r>
+            <a:r>
+              <a:rPr b="1"/>
+              <a:t>Governance:</a:t>
+            </a:r>
+            <a:r>
+              <a:rPr/>
+              <a:t> Vote on platform fee parameters - </a:t>
+            </a:r>
+            <a:r>
+              <a:rPr b="1"/>
+              <a:t>Revenue:</a:t>
+            </a:r>
+            <a:r>
+              <a:rPr/>
+              <a:t> 100% of fees flow to stakers - </a:t>
+            </a:r>
+            <a:r>
+              <a:rPr b="1"/>
+              <a:t>Access:</a:t>
+            </a:r>
+            <a:r>
+              <a:rPr/>
+              <a:t> Priority features and vault templates (future)</a:t>
+            </a:r>
+          </a:p>
+          <a:p>
+            <a:pPr lvl="0" indent="0" marL="0">
+              <a:buNone/>
+            </a:pPr>
+            <a:r>
+              <a:rPr b="1"/>
+              <a:t>Listing Strategy:</a:t>
+            </a:r>
+            <a:r>
+              <a:rPr/>
+              <a:t> - CEX partnerships with 200K VVAULT reserve - Multi-chain DEX liquidity (Uniswap, PancakeSwap, etc.) - Market maker agreements for liquidity</a:t>
             </a:r>
           </a:p>
         </p:txBody>
@@ -4530,7 +4720,7 @@
             </a:pPr>
             <a:r>
               <a:rPr/>
-              <a:t>Slide 14: Why Legion?</a:t>
+              <a:t>Slide 13: Use of Funds - $3M Allocation</a:t>
             </a:r>
           </a:p>
         </p:txBody>
@@ -4558,72 +4748,72 @@
             </a:pPr>
             <a:r>
               <a:rPr b="1"/>
-              <a:t>Perfect Alignment with Merit-Based Fundraising</a:t>
-            </a:r>
-          </a:p>
-          <a:p>
-            <a:pPr lvl="0" indent="0" marL="0">
-              <a:buNone/>
-            </a:pPr>
-            <a:r>
-              <a:rPr b="1"/>
-              <a:t>Merit-Based Distribution</a:t>
-            </a:r>
-            <a:r>
-              <a:rPr/>
-              <a:t> - Legion Scores ensure tokens go to genuine contributors - Developers, creators, engaged DeFi users (not just whales) - Creates aligned, active community</a:t>
-            </a:r>
-          </a:p>
-          <a:p>
-            <a:pPr lvl="0" indent="0" marL="0">
-              <a:buNone/>
-            </a:pPr>
-            <a:r>
-              <a:rPr b="1"/>
-              <a:t>MiCA Compliance</a:t>
-            </a:r>
-            <a:r>
-              <a:rPr/>
-              <a:t> - EU-compliant framework reduces regulatory risk - Robust KYC/AML infrastructure built-in - Accelerates time to market</a:t>
-            </a:r>
-          </a:p>
-          <a:p>
-            <a:pPr lvl="0" indent="0" marL="0">
-              <a:buNone/>
-            </a:pPr>
-            <a:r>
-              <a:rPr b="1"/>
-              <a:t>Quality Curation</a:t>
-            </a:r>
-            <a:r>
-              <a:rPr/>
-              <a:t> - Rigorous vetting process = credibility - Association with other vetted projects - Access to Delphi Labs &amp; partner VC networks</a:t>
-            </a:r>
-          </a:p>
-          <a:p>
-            <a:pPr lvl="0" indent="0" marL="0">
-              <a:buNone/>
-            </a:pPr>
-            <a:r>
-              <a:rPr b="1"/>
-              <a:t>CEX Access</a:t>
-            </a:r>
-            <a:r>
-              <a:rPr/>
-              <a:t> - Professional infrastructure facilitates exchange listings - 2% liquidity reserve demonstrates commitment - Broader distribution and tradability</a:t>
-            </a:r>
-          </a:p>
-          <a:p>
-            <a:pPr lvl="0" indent="0" marL="0">
-              <a:buNone/>
-            </a:pPr>
-            <a:r>
-              <a:rPr b="1"/>
-              <a:t>Long-Term Alignment</a:t>
-            </a:r>
-            <a:r>
-              <a:rPr/>
-              <a:t> - Multi-round game theory approach - Token holders who earn through merit contribute meaningfully - Network effects essential for DeFi success</a:t>
+              <a:t>Capital-Efficient Deployment Across 5 Categories</a:t>
+            </a:r>
+          </a:p>
+          <a:p>
+            <a:pPr lvl="0" indent="0" marL="0">
+              <a:buNone/>
+            </a:pPr>
+            <a:r>
+              <a:rPr b="1"/>
+              <a:t>50% - Product Development ($1.5M)</a:t>
+            </a:r>
+            <a:r>
+              <a:rPr/>
+              <a:t> - Core platform engineering (AI generation, deployment engine) - Paloma LightNode decentralized front-end - Multi-chain integration (Compass EVM Actions) - Security audits (contract templates + AI systems) - Backend infrastructure and APIs</a:t>
+            </a:r>
+          </a:p>
+          <a:p>
+            <a:pPr lvl="0" indent="0" marL="0">
+              <a:buNone/>
+            </a:pPr>
+            <a:r>
+              <a:rPr b="1"/>
+              <a:t>20% - Marketing &amp; CEX Partnerships ($600K)</a:t>
+            </a:r>
+            <a:r>
+              <a:rPr/>
+              <a:t> - Centralized exchange listing campaigns - Market maker agreements - Community building &amp; social campaigns - Influencer/KOL engagement - Conference presence &amp; partnerships - Developer relations</a:t>
+            </a:r>
+          </a:p>
+          <a:p>
+            <a:pPr lvl="0" indent="0" marL="0">
+              <a:buNone/>
+            </a:pPr>
+            <a:r>
+              <a:rPr b="1"/>
+              <a:t>15% - SerenDB Deployment ($450K)</a:t>
+            </a:r>
+            <a:r>
+              <a:rPr/>
+              <a:t> - Production infrastructure scaling - AI-native database optimization - Real-time blockchain indexing (all chains) - Global hosting infrastructure</a:t>
+            </a:r>
+          </a:p>
+          <a:p>
+            <a:pPr lvl="0" indent="0" marL="0">
+              <a:buNone/>
+            </a:pPr>
+            <a:r>
+              <a:rPr b="1"/>
+              <a:t>10% - Multi-Chain Infrastructure ($300K)</a:t>
+            </a:r>
+            <a:r>
+              <a:rPr/>
+              <a:t> - Paloma validator network integration - Compass EVM deployment across chains - Testing &amp; validation infrastructure - Legal &amp; compliance</a:t>
+            </a:r>
+          </a:p>
+          <a:p>
+            <a:pPr lvl="0" indent="0" marL="0">
+              <a:buNone/>
+            </a:pPr>
+            <a:r>
+              <a:rPr b="1"/>
+              <a:t>5% - Community Incentives ($150K)</a:t>
+            </a:r>
+            <a:r>
+              <a:rPr/>
+              <a:t> - Early adopter rewards - Vault creator grants - Bug bounties - Ecosystem development fund</a:t>
             </a:r>
           </a:p>
         </p:txBody>
@@ -4670,7 +4860,7 @@
             </a:pPr>
             <a:r>
               <a:rPr/>
-              <a:t>Slide 15: Team &amp; Advisors</a:t>
+              <a:t>Slide 14: Why Legion?</a:t>
             </a:r>
           </a:p>
         </p:txBody>
@@ -4691,78 +4881,79 @@
           <a:lstStyle/>
           <a:p>
             <a:pPr lvl="0" indent="0" marL="0">
-              <a:buNone/>
-            </a:pPr>
-            <a:r>
-              <a:rPr b="1"/>
-              <a:t>Project Lead: Taariq Lewis</a:t>
-            </a:r>
-            <a:r>
-              <a:rPr/>
-              <a:t> - [Include relevant background, experience, and credibility] - [Prior projects, exits, or notable achievements] - [Link to LinkedIn, Twitter, or GitHub]</a:t>
-            </a:r>
-          </a:p>
-          <a:p>
-            <a:pPr lvl="0" indent="0" marL="0">
-              <a:buNone/>
-            </a:pPr>
-            <a:r>
-              <a:rPr b="1"/>
-              <a:t>Core Contributors:</a:t>
-            </a:r>
-            <a:r>
-              <a:rPr/>
-              <a:t> - Engineering team with expertise in: - Smart contract development (Solidity, Vyper, CosmWasm) - AI/ML systems and LLM integration - Cross-chain protocols and DeFi composability</a:t>
-            </a:r>
-          </a:p>
-          <a:p>
-            <a:pPr lvl="0" indent="0" marL="0">
-              <a:buNone/>
-            </a:pPr>
-            <a:r>
-              <a:rPr b="1"/>
-              <a:t>Strategic Partners:</a:t>
-            </a:r>
-            <a:r>
-              <a:rPr/>
-              <a:t> - </a:t>
-            </a:r>
-            <a:r>
-              <a:rPr b="1"/>
-              <a:t>Paloma Chain</a:t>
-            </a:r>
-            <a:r>
-              <a:rPr/>
-              <a:t> - Cross-chain infrastructure provider - </a:t>
-            </a:r>
-            <a:r>
-              <a:rPr b="1"/>
-              <a:t>SerenDB</a:t>
-            </a:r>
-            <a:r>
-              <a:rPr/>
-              <a:t> - AI-native database integration partner - </a:t>
-            </a:r>
-            <a:r>
-              <a:rPr b="1"/>
-              <a:t>Legion</a:t>
-            </a:r>
-            <a:r>
-              <a:rPr/>
-              <a:t> - Fundraising platform and community</a:t>
-            </a:r>
-          </a:p>
-          <a:p>
-            <a:pPr lvl="0" indent="0" marL="0">
-              <a:buNone/>
-            </a:pPr>
-            <a:r>
-              <a:rPr b="1"/>
-              <a:t>Advisors:</a:t>
-            </a:r>
-            <a:r>
-              <a:rPr/>
-              <a:t> - [To be added based on actual advisory relationships]</a:t>
+              <a:spcBef>
+                <a:spcPts val="3000"/>
+              </a:spcBef>
+              <a:buNone/>
+            </a:pPr>
+            <a:r>
+              <a:rPr b="1"/>
+              <a:t>Perfect Alignment with Merit-Based Fundraising</a:t>
+            </a:r>
+          </a:p>
+          <a:p>
+            <a:pPr lvl="0" indent="0" marL="0">
+              <a:buNone/>
+            </a:pPr>
+            <a:r>
+              <a:rPr b="1"/>
+              <a:t>Merit-Based Distribution</a:t>
+            </a:r>
+            <a:r>
+              <a:rPr/>
+              <a:t> - Legion Scores ensure tokens go to genuine contributors - Developers, creators, engaged DeFi users (not just whales) - Creates aligned, active community</a:t>
+            </a:r>
+          </a:p>
+          <a:p>
+            <a:pPr lvl="0" indent="0" marL="0">
+              <a:buNone/>
+            </a:pPr>
+            <a:r>
+              <a:rPr b="1"/>
+              <a:t>MiCA Compliance</a:t>
+            </a:r>
+            <a:r>
+              <a:rPr/>
+              <a:t> - EU-compliant framework reduces regulatory risk - Robust KYC/AML infrastructure built-in - Accelerates time to market</a:t>
+            </a:r>
+          </a:p>
+          <a:p>
+            <a:pPr lvl="0" indent="0" marL="0">
+              <a:buNone/>
+            </a:pPr>
+            <a:r>
+              <a:rPr b="1"/>
+              <a:t>Quality Curation</a:t>
+            </a:r>
+            <a:r>
+              <a:rPr/>
+              <a:t> - Rigorous vetting process = credibility - Association with other vetted projects - Access to Delphi Labs &amp; partner VC networks</a:t>
+            </a:r>
+          </a:p>
+          <a:p>
+            <a:pPr lvl="0" indent="0" marL="0">
+              <a:buNone/>
+            </a:pPr>
+            <a:r>
+              <a:rPr b="1"/>
+              <a:t>CEX Access</a:t>
+            </a:r>
+            <a:r>
+              <a:rPr/>
+              <a:t> - Professional infrastructure facilitates exchange listings - 2% liquidity reserve demonstrates commitment - Broader distribution and tradability</a:t>
+            </a:r>
+          </a:p>
+          <a:p>
+            <a:pPr lvl="0" indent="0" marL="0">
+              <a:buNone/>
+            </a:pPr>
+            <a:r>
+              <a:rPr b="1"/>
+              <a:t>Long-Term Alignment</a:t>
+            </a:r>
+            <a:r>
+              <a:rPr/>
+              <a:t> - Multi-round game theory approach - Token holders who earn through merit contribute meaningfully - Network effects essential for DeFi success</a:t>
             </a:r>
           </a:p>
         </p:txBody>
@@ -4809,7 +5000,7 @@
             </a:pPr>
             <a:r>
               <a:rPr/>
-              <a:t>Slide 16: Traction &amp; Validation</a:t>
+              <a:t>Slide 15: Team &amp; Advisors</a:t>
             </a:r>
           </a:p>
         </p:txBody>
@@ -4834,50 +5025,74 @@
             </a:pPr>
             <a:r>
               <a:rPr b="1"/>
-              <a:t>Current Status:</a:t>
-            </a:r>
-            <a:r>
-              <a:rPr/>
-              <a:t> - ✅ Comprehensive technical specifications completed - ✅ Sample vault architecture designed (cross-chain perpetual) - ✅ Paloma Chain partnership established - ✅ SerenDB integration partnership confirmed - ✅ Open source project (Apache 2.0 license)</a:t>
-            </a:r>
-          </a:p>
-          <a:p>
-            <a:pPr lvl="0" indent="0" marL="0">
-              <a:buNone/>
-            </a:pPr>
-            <a:r>
-              <a:rPr b="1"/>
-              <a:t>Community Interest:</a:t>
-            </a:r>
-            <a:r>
-              <a:rPr/>
-              <a:t> - GitHub repository: https://github.com/serenorg/vibe-vault - [Add metrics: stars, forks, contributors if available]</a:t>
-            </a:r>
-          </a:p>
-          <a:p>
-            <a:pPr lvl="0" indent="0" marL="0">
-              <a:buNone/>
-            </a:pPr>
-            <a:r>
-              <a:rPr b="1"/>
-              <a:t>Technical Validation:</a:t>
-            </a:r>
-            <a:r>
-              <a:rPr/>
-              <a:t> - Cross-chain vault specification demonstrates feasibility - Paloma Chain infrastructure battle-tested - SerenDB production-ready</a:t>
-            </a:r>
-          </a:p>
-          <a:p>
-            <a:pPr lvl="0" indent="0" marL="0">
-              <a:buNone/>
-            </a:pPr>
-            <a:r>
-              <a:rPr b="1"/>
-              <a:t>Market Validation:</a:t>
-            </a:r>
-            <a:r>
-              <a:rPr/>
-              <a:t> - DeFi users consistently request simpler vault creation - Multi-chain deployment remains major pain point - AI code generation proven in adjacent markets</a:t>
+              <a:t>Project Lead: Taariq Lewis</a:t>
+            </a:r>
+            <a:r>
+              <a:rPr/>
+              <a:t> - [Include relevant background, experience, and credibility] - [Prior projects, exits, or notable achievements] - [Link to LinkedIn, Twitter, or GitHub]</a:t>
+            </a:r>
+          </a:p>
+          <a:p>
+            <a:pPr lvl="0" indent="0" marL="0">
+              <a:buNone/>
+            </a:pPr>
+            <a:r>
+              <a:rPr b="1"/>
+              <a:t>Core Contributors:</a:t>
+            </a:r>
+            <a:r>
+              <a:rPr/>
+              <a:t> - Engineering team with expertise in: - Smart contract development (Solidity, Vyper, CosmWasm) - AI/ML systems and LLM integration - Cross-chain protocols and DeFi composability</a:t>
+            </a:r>
+          </a:p>
+          <a:p>
+            <a:pPr lvl="0" indent="0" marL="0">
+              <a:buNone/>
+            </a:pPr>
+            <a:r>
+              <a:rPr b="1"/>
+              <a:t>Strategic Partners:</a:t>
+            </a:r>
+            <a:r>
+              <a:rPr/>
+              <a:t> - </a:t>
+            </a:r>
+            <a:r>
+              <a:rPr b="1"/>
+              <a:t>Paloma Chain</a:t>
+            </a:r>
+            <a:r>
+              <a:rPr/>
+              <a:t> - Cross-chain infrastructure provider - </a:t>
+            </a:r>
+            <a:r>
+              <a:rPr b="1"/>
+              <a:t>SerenDB</a:t>
+            </a:r>
+            <a:r>
+              <a:rPr/>
+              <a:t> - AI-native database integration partner - </a:t>
+            </a:r>
+            <a:r>
+              <a:rPr b="1"/>
+              <a:t>Legion</a:t>
+            </a:r>
+            <a:r>
+              <a:rPr/>
+              <a:t> - Fundraising platform and community</a:t>
+            </a:r>
+          </a:p>
+          <a:p>
+            <a:pPr lvl="0" indent="0" marL="0">
+              <a:buNone/>
+            </a:pPr>
+            <a:r>
+              <a:rPr b="1"/>
+              <a:t>Advisors:</a:t>
+            </a:r>
+            <a:r>
+              <a:rPr/>
+              <a:t> - [To be added based on actual advisory relationships]</a:t>
             </a:r>
           </a:p>
         </p:txBody>
@@ -4924,7 +5139,7 @@
             </a:pPr>
             <a:r>
               <a:rPr/>
-              <a:t>Slide 17: Risk Mitigation</a:t>
+              <a:t>Slide 16: Traction &amp; Validation</a:t>
             </a:r>
           </a:p>
         </p:txBody>
@@ -4945,92 +5160,54 @@
           <a:lstStyle/>
           <a:p>
             <a:pPr lvl="0" indent="0" marL="0">
-              <a:spcBef>
-                <a:spcPts val="3000"/>
-              </a:spcBef>
-              <a:buNone/>
-            </a:pPr>
-            <a:r>
-              <a:rPr b="1"/>
-              <a:t>How We Address Key Risks</a:t>
-            </a:r>
-          </a:p>
-          <a:p>
-            <a:pPr lvl="0" indent="0" marL="0">
-              <a:buNone/>
-            </a:pPr>
-            <a:r>
-              <a:rPr b="1"/>
-              <a:t>Technical Risks:</a:t>
-            </a:r>
-            <a:r>
-              <a:rPr/>
-              <a:t> - ❌ Risk: AI generates insecure code - ✅ Mitigation: Multi-layer security validation, audited templates, AI rejects unsafe patterns</a:t>
-            </a:r>
-          </a:p>
-          <a:p>
-            <a:pPr lvl="0" indent="0" marL="0">
-              <a:buNone/>
-            </a:pPr>
-            <a:r>
-              <a:rPr b="1"/>
-              <a:t>Market Risks:</a:t>
-            </a:r>
-            <a:r>
-              <a:rPr/>
-              <a:t> - ❌ Risk: Low vault creator adoption - ✅ Mitigation: Free tier for experimentation, vault grants program, extensive documentation</a:t>
-            </a:r>
-          </a:p>
-          <a:p>
-            <a:pPr lvl="0" indent="0" marL="0">
-              <a:buNone/>
-            </a:pPr>
-            <a:r>
-              <a:rPr b="1"/>
-              <a:t>Regulatory Risks:</a:t>
-            </a:r>
-            <a:r>
-              <a:rPr/>
-              <a:t> - ❌ Risk: Compliance issues across jurisdictions - ✅ Mitigation: Legion MiCA framework, legal fund in budget, geographic restrictions</a:t>
-            </a:r>
-          </a:p>
-          <a:p>
-            <a:pPr lvl="0" indent="0" marL="0">
-              <a:buNone/>
-            </a:pPr>
-            <a:r>
-              <a:rPr b="1"/>
-              <a:t>Competition Risks:</a:t>
-            </a:r>
-            <a:r>
-              <a:rPr/>
-              <a:t> - ❌ Risk: Established players copy approach - ✅ Mitigation: First-mover advantage, Paloma infrastructure moat, continuous AI improvement</a:t>
-            </a:r>
-          </a:p>
-          <a:p>
-            <a:pPr lvl="0" indent="0" marL="0">
-              <a:buNone/>
-            </a:pPr>
-            <a:r>
-              <a:rPr b="1"/>
-              <a:t>Smart Contract Risks:</a:t>
-            </a:r>
-            <a:r>
-              <a:rPr/>
-              <a:t> - ❌ Risk: Deployed vaults have vulnerabilities - ✅ Mitigation: Comprehensive audits, bug bounty program, emergency pause mechanisms</a:t>
-            </a:r>
-          </a:p>
-          <a:p>
-            <a:pPr lvl="0" indent="0" marL="0">
-              <a:buNone/>
-            </a:pPr>
-            <a:r>
-              <a:rPr b="1"/>
-              <a:t>Liquidity Risks:</a:t>
-            </a:r>
-            <a:r>
-              <a:rPr/>
-              <a:t> - ❌ Risk: Token price volatility at TGE - ✅ Mitigation: $600K + 1.8M tokens initial liquidity, CEX market makers, all tokens unlocked (no cliff dumps)</a:t>
+              <a:buNone/>
+            </a:pPr>
+            <a:r>
+              <a:rPr b="1"/>
+              <a:t>Current Status:</a:t>
+            </a:r>
+            <a:r>
+              <a:rPr/>
+              <a:t> - ✅ Comprehensive technical specifications completed - ✅ Sample vault architecture designed (cross-chain perpetual) - ✅ Paloma Chain partnership established - ✅ SerenDB integration partnership confirmed - ✅ Open source project (Apache 2.0 license)</a:t>
+            </a:r>
+          </a:p>
+          <a:p>
+            <a:pPr lvl="0" indent="0" marL="0">
+              <a:buNone/>
+            </a:pPr>
+            <a:r>
+              <a:rPr b="1"/>
+              <a:t>Community Interest:</a:t>
+            </a:r>
+            <a:r>
+              <a:rPr/>
+              <a:t> - GitHub repository: https://github.com/serenorg/vibe-vault - [Add metrics: stars, forks, contributors if available]</a:t>
+            </a:r>
+          </a:p>
+          <a:p>
+            <a:pPr lvl="0" indent="0" marL="0">
+              <a:buNone/>
+            </a:pPr>
+            <a:r>
+              <a:rPr b="1"/>
+              <a:t>Technical Validation:</a:t>
+            </a:r>
+            <a:r>
+              <a:rPr/>
+              <a:t> - Cross-chain vault specification demonstrates feasibility - Paloma Chain infrastructure battle-tested - SerenDB production-ready</a:t>
+            </a:r>
+          </a:p>
+          <a:p>
+            <a:pPr lvl="0" indent="0" marL="0">
+              <a:buNone/>
+            </a:pPr>
+            <a:r>
+              <a:rPr b="1"/>
+              <a:t>Market Validation:</a:t>
+            </a:r>
+            <a:r>
+              <a:rPr/>
+              <a:t> - DeFi users consistently request simpler vault creation - Multi-chain deployment remains major pain point - AI code generation proven in adjacent markets</a:t>
             </a:r>
           </a:p>
         </p:txBody>
@@ -5195,7 +5372,7 @@
             </a:pPr>
             <a:r>
               <a:rPr/>
-              <a:t>Slide 18: Success Metrics (6-12 Months Post-TGE)</a:t>
+              <a:t>Slide 17: Risk Mitigation</a:t>
             </a:r>
           </a:p>
         </p:txBody>
@@ -5223,159 +5400,85 @@
             </a:pPr>
             <a:r>
               <a:rPr b="1"/>
-              <a:t>Clear KPIs for Platform Growth</a:t>
-            </a:r>
-          </a:p>
-          <a:p>
-            <a:pPr lvl="0" indent="0" marL="0">
-              <a:buNone/>
-            </a:pPr>
-            <a:r>
-              <a:rPr b="1"/>
-              <a:t>Adoption Metrics:</a:t>
-            </a:r>
-            <a:r>
-              <a:rPr/>
-              <a:t> - </a:t>
-            </a:r>
-            <a:r>
-              <a:rPr b="1"/>
-              <a:t>100+ vaults deployed</a:t>
-            </a:r>
-            <a:r>
-              <a:rPr/>
-              <a:t> in first 30 days - </a:t>
-            </a:r>
-            <a:r>
-              <a:rPr b="1"/>
-              <a:t>1,000+ total vaults</a:t>
-            </a:r>
-            <a:r>
-              <a:rPr/>
-              <a:t> within 6 months - </a:t>
-            </a:r>
-            <a:r>
-              <a:rPr b="1"/>
-              <a:t>10,000+ users</a:t>
-            </a:r>
-            <a:r>
-              <a:rPr/>
-              <a:t> across platform - </a:t>
-            </a:r>
-            <a:r>
-              <a:rPr b="1"/>
-              <a:t>50+ active vault creators</a:t>
-            </a:r>
-            <a:r>
-              <a:rPr/>
-              <a:t> deploying multiple strategies</a:t>
-            </a:r>
-          </a:p>
-          <a:p>
-            <a:pPr lvl="0" indent="0" marL="0">
-              <a:buNone/>
-            </a:pPr>
-            <a:r>
-              <a:rPr b="1"/>
-              <a:t>Financial Metrics:</a:t>
-            </a:r>
-            <a:r>
-              <a:rPr/>
-              <a:t> - </a:t>
-            </a:r>
-            <a:r>
-              <a:rPr b="1"/>
-              <a:t>$50M+ aggregate TVL</a:t>
-            </a:r>
-            <a:r>
-              <a:rPr/>
-              <a:t> across deployed vaults - </a:t>
-            </a:r>
-            <a:r>
-              <a:rPr b="1"/>
-              <a:t>$1M+ annual recurring revenue</a:t>
-            </a:r>
-            <a:r>
-              <a:rPr/>
-              <a:t> from platform fees - </a:t>
-            </a:r>
-            <a:r>
-              <a:rPr b="1"/>
-              <a:t>$10M+ token market cap</a:t>
-            </a:r>
-            <a:r>
-              <a:rPr/>
-              <a:t> sustained for 90 days</a:t>
-            </a:r>
-          </a:p>
-          <a:p>
-            <a:pPr lvl="0" indent="0" marL="0">
-              <a:buNone/>
-            </a:pPr>
-            <a:r>
-              <a:rPr b="1"/>
-              <a:t>Technical Metrics:</a:t>
-            </a:r>
-            <a:r>
-              <a:rPr/>
-              <a:t> - </a:t>
-            </a:r>
-            <a:r>
-              <a:rPr b="1"/>
-              <a:t>10+ blockchain integrations</a:t>
-            </a:r>
-            <a:r>
-              <a:rPr/>
-              <a:t> live - </a:t>
-            </a:r>
-            <a:r>
-              <a:rPr b="1"/>
-              <a:t>99.9% uptime</a:t>
-            </a:r>
-            <a:r>
-              <a:rPr/>
-              <a:t> for platform infrastructure - </a:t>
-            </a:r>
-            <a:r>
-              <a:rPr b="1"/>
-              <a:t>Zero critical security incidents</a:t>
-            </a:r>
-            <a:r>
-              <a:rPr/>
-              <a:t> in deployed vaults</a:t>
-            </a:r>
-          </a:p>
-          <a:p>
-            <a:pPr lvl="0" indent="0" marL="0">
-              <a:buNone/>
-            </a:pPr>
-            <a:r>
-              <a:rPr b="1"/>
-              <a:t>Community Metrics:</a:t>
-            </a:r>
-            <a:r>
-              <a:rPr/>
-              <a:t> - </a:t>
-            </a:r>
-            <a:r>
-              <a:rPr b="1"/>
-              <a:t>5,000+ Discord/Telegram members</a:t>
-            </a:r>
-            <a:r>
-              <a:rPr/>
-              <a:t> - </a:t>
-            </a:r>
-            <a:r>
-              <a:rPr b="1"/>
-              <a:t>50+ active contributors</a:t>
-            </a:r>
-            <a:r>
-              <a:rPr/>
-              <a:t> to open source repo - </a:t>
-            </a:r>
-            <a:r>
-              <a:rPr b="1"/>
-              <a:t>10+ DeFi protocol partnerships</a:t>
+              <a:t>How We Address Key Risks</a:t>
+            </a:r>
+          </a:p>
+          <a:p>
+            <a:pPr lvl="0" indent="0" marL="0">
+              <a:buNone/>
+            </a:pPr>
+            <a:r>
+              <a:rPr b="1"/>
+              <a:t>Technical Risks:</a:t>
+            </a:r>
+            <a:r>
+              <a:rPr/>
+              <a:t> - ❌ Risk: AI generates insecure code - ✅ Mitigation: Multi-layer security validation, audited templates, AI rejects unsafe patterns</a:t>
+            </a:r>
+          </a:p>
+          <a:p>
+            <a:pPr lvl="0" indent="0" marL="0">
+              <a:buNone/>
+            </a:pPr>
+            <a:r>
+              <a:rPr b="1"/>
+              <a:t>Market Risks:</a:t>
+            </a:r>
+            <a:r>
+              <a:rPr/>
+              <a:t> - ❌ Risk: Low vault creator adoption - ✅ Mitigation: Free tier for experimentation, vault grants program, extensive documentation</a:t>
+            </a:r>
+          </a:p>
+          <a:p>
+            <a:pPr lvl="0" indent="0" marL="0">
+              <a:buNone/>
+            </a:pPr>
+            <a:r>
+              <a:rPr b="1"/>
+              <a:t>Regulatory Risks:</a:t>
+            </a:r>
+            <a:r>
+              <a:rPr/>
+              <a:t> - ❌ Risk: Compliance issues across jurisdictions - ✅ Mitigation: Legion MiCA framework, legal fund in budget, geographic restrictions</a:t>
+            </a:r>
+          </a:p>
+          <a:p>
+            <a:pPr lvl="0" indent="0" marL="0">
+              <a:buNone/>
+            </a:pPr>
+            <a:r>
+              <a:rPr b="1"/>
+              <a:t>Competition Risks:</a:t>
+            </a:r>
+            <a:r>
+              <a:rPr/>
+              <a:t> - ❌ Risk: Established players copy approach - ✅ Mitigation: First-mover advantage, Paloma infrastructure moat, continuous AI improvement</a:t>
+            </a:r>
+          </a:p>
+          <a:p>
+            <a:pPr lvl="0" indent="0" marL="0">
+              <a:buNone/>
+            </a:pPr>
+            <a:r>
+              <a:rPr b="1"/>
+              <a:t>Smart Contract Risks:</a:t>
+            </a:r>
+            <a:r>
+              <a:rPr/>
+              <a:t> - ❌ Risk: Deployed vaults have vulnerabilities - ✅ Mitigation: Comprehensive audits, bug bounty program, emergency pause mechanisms</a:t>
+            </a:r>
+          </a:p>
+          <a:p>
+            <a:pPr lvl="0" indent="0" marL="0">
+              <a:buNone/>
+            </a:pPr>
+            <a:r>
+              <a:rPr b="1"/>
+              <a:t>Liquidity Risks:</a:t>
+            </a:r>
+            <a:r>
+              <a:rPr/>
+              <a:t> - ❌ Risk: Token price volatility at TGE - ✅ Mitigation: $600K + 1.8M tokens initial liquidity, CEX market makers, all tokens unlocked (no cliff dumps)</a:t>
             </a:r>
           </a:p>
         </p:txBody>
@@ -5422,7 +5525,7 @@
             </a:pPr>
             <a:r>
               <a:rPr/>
-              <a:t>Slide 19: The Ask</a:t>
+              <a:t>Slide 18: Success Metrics (6-12 Months Post-TGE)</a:t>
             </a:r>
           </a:p>
         </p:txBody>
@@ -5450,16 +5553,16 @@
             </a:pPr>
             <a:r>
               <a:rPr b="1"/>
-              <a:t>$3M Raise on Legion Platform</a:t>
-            </a:r>
-          </a:p>
-          <a:p>
-            <a:pPr lvl="0" indent="0" marL="0">
-              <a:buNone/>
-            </a:pPr>
-            <a:r>
-              <a:rPr b="1"/>
-              <a:t>Terms:</a:t>
+              <a:t>Clear KPIs for Platform Growth</a:t>
+            </a:r>
+          </a:p>
+          <a:p>
+            <a:pPr lvl="0" indent="0" marL="0">
+              <a:buNone/>
+            </a:pPr>
+            <a:r>
+              <a:rPr b="1"/>
+              <a:t>Adoption Metrics:</a:t>
             </a:r>
             <a:r>
               <a:rPr/>
@@ -5467,90 +5570,142 @@
             </a:r>
             <a:r>
               <a:rPr b="1"/>
-              <a:t>Raise Amount:</a:t>
-            </a:r>
-            <a:r>
-              <a:rPr/>
-              <a:t> $3,000,000 USDC - </a:t>
-            </a:r>
-            <a:r>
-              <a:rPr b="1"/>
-              <a:t>Token Supply:</a:t>
-            </a:r>
-            <a:r>
-              <a:rPr/>
-              <a:t> 10,000,000 VVAULT - </a:t>
-            </a:r>
-            <a:r>
-              <a:rPr b="1"/>
-              <a:t>Contributor Allocation:</a:t>
-            </a:r>
-            <a:r>
-              <a:rPr/>
-              <a:t> 80% (8,000,000 VVAULT) - </a:t>
-            </a:r>
-            <a:r>
-              <a:rPr b="1"/>
-              <a:t>Token Generation Event:</a:t>
-            </a:r>
-            <a:r>
-              <a:rPr/>
-              <a:t> 6 months from close - </a:t>
-            </a:r>
-            <a:r>
-              <a:rPr b="1"/>
-              <a:t>Vesting:</a:t>
-            </a:r>
-            <a:r>
-              <a:rPr/>
-              <a:t> None - all tokens unlocked at TGE - </a:t>
-            </a:r>
-            <a:r>
-              <a:rPr b="1"/>
-              <a:t>Platform:</a:t>
-            </a:r>
-            <a:r>
-              <a:rPr/>
-              <a:t> Legion (merit-based, MiCA-compliant)</a:t>
-            </a:r>
-          </a:p>
-          <a:p>
-            <a:pPr lvl="0" indent="0" marL="0">
-              <a:buNone/>
-            </a:pPr>
-            <a:r>
-              <a:rPr b="1"/>
-              <a:t>What You’re Buying:</a:t>
-            </a:r>
-            <a:r>
-              <a:rPr/>
-              <a:t> - Governance rights over platform economics - 100% of platform fees flow to stakers - Exposure to DeFi infrastructure growth - Early access to vault creation platform</a:t>
-            </a:r>
-          </a:p>
-          <a:p>
-            <a:pPr lvl="0" indent="0" marL="0">
-              <a:buNone/>
-            </a:pPr>
-            <a:r>
-              <a:rPr b="1"/>
-              <a:t>Use of Funds:</a:t>
-            </a:r>
-            <a:r>
-              <a:rPr/>
-              <a:t> - 50% Product Development - 20% Marketing &amp; CEX Listings - 15% SerenDB Infrastructure - 10% Multi-Chain Operations - 5% Community Incentives</a:t>
-            </a:r>
-          </a:p>
-          <a:p>
-            <a:pPr lvl="0" indent="0" marL="0">
-              <a:buNone/>
-            </a:pPr>
-            <a:r>
-              <a:rPr b="1"/>
-              <a:t>Timeline:</a:t>
-            </a:r>
-            <a:r>
-              <a:rPr/>
-              <a:t> - Months 1-3: Core development - Months 4-6: Launch preparation &amp; audits - Month 6: TGE with CEX + DEX listings - Post-TGE: 100+ vaults deployed in 30 days</a:t>
+              <a:t>100+ vaults deployed</a:t>
+            </a:r>
+            <a:r>
+              <a:rPr/>
+              <a:t> in first 30 days - </a:t>
+            </a:r>
+            <a:r>
+              <a:rPr b="1"/>
+              <a:t>1,000+ total vaults</a:t>
+            </a:r>
+            <a:r>
+              <a:rPr/>
+              <a:t> within 6 months - </a:t>
+            </a:r>
+            <a:r>
+              <a:rPr b="1"/>
+              <a:t>10,000+ users</a:t>
+            </a:r>
+            <a:r>
+              <a:rPr/>
+              <a:t> across platform - </a:t>
+            </a:r>
+            <a:r>
+              <a:rPr b="1"/>
+              <a:t>50+ active vault creators</a:t>
+            </a:r>
+            <a:r>
+              <a:rPr/>
+              <a:t> deploying multiple strategies</a:t>
+            </a:r>
+          </a:p>
+          <a:p>
+            <a:pPr lvl="0" indent="0" marL="0">
+              <a:buNone/>
+            </a:pPr>
+            <a:r>
+              <a:rPr b="1"/>
+              <a:t>Financial Metrics:</a:t>
+            </a:r>
+            <a:r>
+              <a:rPr/>
+              <a:t> - </a:t>
+            </a:r>
+            <a:r>
+              <a:rPr b="1"/>
+              <a:t>$50M+ aggregate TVL</a:t>
+            </a:r>
+            <a:r>
+              <a:rPr/>
+              <a:t> across deployed vaults - </a:t>
+            </a:r>
+            <a:r>
+              <a:rPr b="1"/>
+              <a:t>$1M+ annual recurring revenue</a:t>
+            </a:r>
+            <a:r>
+              <a:rPr/>
+              <a:t> from platform fees - </a:t>
+            </a:r>
+            <a:r>
+              <a:rPr b="1"/>
+              <a:t>$10M+ token market cap</a:t>
+            </a:r>
+            <a:r>
+              <a:rPr/>
+              <a:t> sustained for 90 days</a:t>
+            </a:r>
+          </a:p>
+          <a:p>
+            <a:pPr lvl="0" indent="0" marL="0">
+              <a:buNone/>
+            </a:pPr>
+            <a:r>
+              <a:rPr b="1"/>
+              <a:t>Technical Metrics:</a:t>
+            </a:r>
+            <a:r>
+              <a:rPr/>
+              <a:t> - </a:t>
+            </a:r>
+            <a:r>
+              <a:rPr b="1"/>
+              <a:t>10+ blockchain integrations</a:t>
+            </a:r>
+            <a:r>
+              <a:rPr/>
+              <a:t> live - </a:t>
+            </a:r>
+            <a:r>
+              <a:rPr b="1"/>
+              <a:t>99.9% uptime</a:t>
+            </a:r>
+            <a:r>
+              <a:rPr/>
+              <a:t> for platform infrastructure - </a:t>
+            </a:r>
+            <a:r>
+              <a:rPr b="1"/>
+              <a:t>Zero critical security incidents</a:t>
+            </a:r>
+            <a:r>
+              <a:rPr/>
+              <a:t> in deployed vaults</a:t>
+            </a:r>
+          </a:p>
+          <a:p>
+            <a:pPr lvl="0" indent="0" marL="0">
+              <a:buNone/>
+            </a:pPr>
+            <a:r>
+              <a:rPr b="1"/>
+              <a:t>Community Metrics:</a:t>
+            </a:r>
+            <a:r>
+              <a:rPr/>
+              <a:t> - </a:t>
+            </a:r>
+            <a:r>
+              <a:rPr b="1"/>
+              <a:t>5,000+ Discord/Telegram members</a:t>
+            </a:r>
+            <a:r>
+              <a:rPr/>
+              <a:t> - </a:t>
+            </a:r>
+            <a:r>
+              <a:rPr b="1"/>
+              <a:t>50+ active contributors</a:t>
+            </a:r>
+            <a:r>
+              <a:rPr/>
+              <a:t> to open source repo - </a:t>
+            </a:r>
+            <a:r>
+              <a:rPr b="1"/>
+              <a:t>10+ DeFi protocol partnerships</a:t>
             </a:r>
           </a:p>
         </p:txBody>
@@ -5597,7 +5752,7 @@
             </a:pPr>
             <a:r>
               <a:rPr/>
-              <a:t>Slide 20: Vision</a:t>
+              <a:t>Slide 19: The Ask</a:t>
             </a:r>
           </a:p>
         </p:txBody>
@@ -5625,81 +5780,107 @@
             </a:pPr>
             <a:r>
               <a:rPr b="1"/>
-              <a:t>Democratizing DeFi Infrastructure</a:t>
-            </a:r>
-          </a:p>
-          <a:p>
-            <a:pPr lvl="0" indent="0" marL="0">
-              <a:buNone/>
-            </a:pPr>
-            <a:r>
-              <a:rPr b="1"/>
-              <a:t>Today:</a:t>
-            </a:r>
-            <a:r>
-              <a:rPr/>
-              <a:t> 200 vault protocols built by elite teams</a:t>
-            </a:r>
-          </a:p>
-          <a:p>
-            <a:pPr lvl="0" indent="0" marL="0">
-              <a:buNone/>
-            </a:pPr>
-            <a:r>
-              <a:rPr b="1"/>
-              <a:t>Tomorrow:</a:t>
-            </a:r>
-            <a:r>
-              <a:rPr/>
-              <a:t> 10,000+ vaults built by the community</a:t>
-            </a:r>
-          </a:p>
-          <a:p>
-            <a:pPr lvl="0" indent="0" marL="0">
-              <a:buNone/>
-            </a:pPr>
-            <a:r>
-              <a:rPr b="1"/>
-              <a:t>Vibe Vault enables:</a:t>
-            </a:r>
-            <a:r>
-              <a:rPr/>
-              <a:t> - Every DeFi user to become a protocol founder - Every strategy idea to become deployable - Every blockchain to access DeFi innovation - Every yield opportunity to be captured</a:t>
-            </a:r>
-          </a:p>
-          <a:p>
-            <a:pPr lvl="0" indent="0" marL="0">
-              <a:buNone/>
-            </a:pPr>
-            <a:r>
-              <a:rPr b="1"/>
-              <a:t>We’re not building another vault.</a:t>
-            </a:r>
-            <a:r>
-              <a:rPr/>
-              <a:t> </a:t>
-            </a:r>
-            <a:r>
-              <a:rPr b="1"/>
-              <a:t>We’re building the infrastructure for 10,000 vaults.</a:t>
-            </a:r>
-          </a:p>
-          <a:p>
-            <a:pPr lvl="0" indent="0" marL="0">
-              <a:buNone/>
-            </a:pPr>
-            <a:r>
-              <a:rPr i="1"/>
-              <a:t>Natural language → Production vaults → Any blockchain</a:t>
-            </a:r>
-          </a:p>
-          <a:p>
-            <a:pPr lvl="0" indent="0" marL="0">
-              <a:buNone/>
-            </a:pPr>
-            <a:r>
-              <a:rPr b="1"/>
-              <a:t>Join us in democratizing DeFi.</a:t>
+              <a:t>$3M Raise on Legion Platform</a:t>
+            </a:r>
+          </a:p>
+          <a:p>
+            <a:pPr lvl="0" indent="0" marL="0">
+              <a:buNone/>
+            </a:pPr>
+            <a:r>
+              <a:rPr b="1"/>
+              <a:t>Terms:</a:t>
+            </a:r>
+            <a:r>
+              <a:rPr/>
+              <a:t> - </a:t>
+            </a:r>
+            <a:r>
+              <a:rPr b="1"/>
+              <a:t>Raise Amount:</a:t>
+            </a:r>
+            <a:r>
+              <a:rPr/>
+              <a:t> $3,000,000 USDC - </a:t>
+            </a:r>
+            <a:r>
+              <a:rPr b="1"/>
+              <a:t>Token Supply:</a:t>
+            </a:r>
+            <a:r>
+              <a:rPr/>
+              <a:t> 10,000,000 VVAULT - </a:t>
+            </a:r>
+            <a:r>
+              <a:rPr b="1"/>
+              <a:t>Contributor Allocation:</a:t>
+            </a:r>
+            <a:r>
+              <a:rPr/>
+              <a:t> 80% (8,000,000 VVAULT) - </a:t>
+            </a:r>
+            <a:r>
+              <a:rPr b="1"/>
+              <a:t>Token Generation Event:</a:t>
+            </a:r>
+            <a:r>
+              <a:rPr/>
+              <a:t> 6 months from close - </a:t>
+            </a:r>
+            <a:r>
+              <a:rPr b="1"/>
+              <a:t>Vesting:</a:t>
+            </a:r>
+            <a:r>
+              <a:rPr/>
+              <a:t> None - all tokens unlocked at TGE - </a:t>
+            </a:r>
+            <a:r>
+              <a:rPr b="1"/>
+              <a:t>Platform:</a:t>
+            </a:r>
+            <a:r>
+              <a:rPr/>
+              <a:t> Legion (merit-based, MiCA-compliant)</a:t>
+            </a:r>
+          </a:p>
+          <a:p>
+            <a:pPr lvl="0" indent="0" marL="0">
+              <a:buNone/>
+            </a:pPr>
+            <a:r>
+              <a:rPr b="1"/>
+              <a:t>What You’re Buying:</a:t>
+            </a:r>
+            <a:r>
+              <a:rPr/>
+              <a:t> - Governance rights over platform economics - 100% of platform fees flow to stakers - Exposure to DeFi infrastructure growth - Early access to vault creation platform</a:t>
+            </a:r>
+          </a:p>
+          <a:p>
+            <a:pPr lvl="0" indent="0" marL="0">
+              <a:buNone/>
+            </a:pPr>
+            <a:r>
+              <a:rPr b="1"/>
+              <a:t>Use of Funds:</a:t>
+            </a:r>
+            <a:r>
+              <a:rPr/>
+              <a:t> - 50% Product Development - 20% Marketing &amp; CEX Listings - 15% SerenDB Infrastructure - 10% Multi-Chain Operations - 5% Community Incentives</a:t>
+            </a:r>
+          </a:p>
+          <a:p>
+            <a:pPr lvl="0" indent="0" marL="0">
+              <a:buNone/>
+            </a:pPr>
+            <a:r>
+              <a:rPr b="1"/>
+              <a:t>Timeline:</a:t>
+            </a:r>
+            <a:r>
+              <a:rPr/>
+              <a:t> - Months 1-3: Core development - Months 4-6: Launch preparation &amp; audits - Month 6: TGE with CEX + DEX listings - Post-TGE: 100+ vaults deployed in 30 days</a:t>
             </a:r>
           </a:p>
         </p:txBody>
@@ -5746,7 +5927,7 @@
             </a:pPr>
             <a:r>
               <a:rPr/>
-              <a:t>Slide 21: Contact &amp; Resources</a:t>
+              <a:t>Slide 20: Vision</a:t>
             </a:r>
           </a:p>
         </p:txBody>
@@ -5767,138 +5948,88 @@
           <a:lstStyle/>
           <a:p>
             <a:pPr lvl="0" indent="0" marL="0">
-              <a:buNone/>
-            </a:pPr>
-            <a:r>
-              <a:rPr b="1"/>
-              <a:t>Project Lead:</a:t>
-            </a:r>
-            <a:r>
-              <a:rPr/>
-              <a:t> Taariq Lewis</a:t>
-            </a:r>
-          </a:p>
-          <a:p>
-            <a:pPr lvl="0" indent="0" marL="0">
-              <a:buNone/>
-            </a:pPr>
-            <a:r>
-              <a:rPr b="1"/>
-              <a:t>Links:</a:t>
-            </a:r>
-            <a:r>
-              <a:rPr/>
-              <a:t> - </a:t>
-            </a:r>
-            <a:r>
-              <a:rPr b="1"/>
-              <a:t>Website:</a:t>
-            </a:r>
-            <a:r>
-              <a:rPr/>
-              <a:t> [To be launched] - </a:t>
-            </a:r>
-            <a:r>
-              <a:rPr b="1"/>
-              <a:t>GitHub:</a:t>
-            </a:r>
-            <a:r>
-              <a:rPr/>
-              <a:t> https://github.com/serenorg/vibe-vault - </a:t>
-            </a:r>
-            <a:r>
-              <a:rPr b="1"/>
-              <a:t>Documentation:</a:t>
-            </a:r>
-            <a:r>
-              <a:rPr/>
-              <a:t> See </a:t>
-            </a:r>
-            <a:r>
-              <a:rPr>
-                <a:latin typeface="Courier"/>
-              </a:rPr>
-              <a:t>/docs</a:t>
-            </a:r>
-            <a:r>
-              <a:rPr/>
-              <a:t> folder - </a:t>
-            </a:r>
-            <a:r>
-              <a:rPr b="1"/>
-              <a:t>Paloma Chain:</a:t>
-            </a:r>
-            <a:r>
-              <a:rPr/>
-              <a:t> https://palomachain.com - </a:t>
-            </a:r>
-            <a:r>
-              <a:rPr b="1"/>
-              <a:t>SerenDB:</a:t>
-            </a:r>
-            <a:r>
-              <a:rPr/>
-              <a:t> https://serendb.com - </a:t>
-            </a:r>
-            <a:r>
-              <a:rPr b="1"/>
-              <a:t>Legion Platform:</a:t>
-            </a:r>
-            <a:r>
-              <a:rPr/>
-              <a:t> https://legion.cc</a:t>
-            </a:r>
-          </a:p>
-          <a:p>
-            <a:pPr lvl="0" indent="0" marL="0">
-              <a:buNone/>
-            </a:pPr>
-            <a:r>
-              <a:rPr b="1"/>
-              <a:t>Proposal Documents:</a:t>
-            </a:r>
-            <a:r>
-              <a:rPr/>
-              <a:t> - Legion ICO Proposal: </a:t>
-            </a:r>
-            <a:r>
-              <a:rPr>
-                <a:latin typeface="Courier"/>
-              </a:rPr>
-              <a:t>/docs/Legion_ICO_Proposal_Vibe_Vault.md</a:t>
-            </a:r>
-            <a:r>
-              <a:rPr/>
-              <a:t> - Sample Vault Spec: </a:t>
-            </a:r>
-            <a:r>
-              <a:rPr>
-                <a:latin typeface="Courier"/>
-              </a:rPr>
-              <a:t>/docs/Cross-Chain Leveraged Perpetual Vault.md</a:t>
-            </a:r>
-            <a:r>
-              <a:rPr/>
-              <a:t> - Technical Architecture: </a:t>
-            </a:r>
-            <a:r>
-              <a:rPr>
-                <a:latin typeface="Courier"/>
-              </a:rPr>
-              <a:t>CLAUDE.md</a:t>
-            </a:r>
-          </a:p>
-          <a:p>
-            <a:pPr lvl="0" indent="0" marL="0">
-              <a:buNone/>
-            </a:pPr>
-            <a:r>
-              <a:rPr b="1"/>
-              <a:t>For Inquiries:</a:t>
-            </a:r>
-            <a:r>
-              <a:rPr/>
-              <a:t> - [Email/Telegram/Discord to be added]</a:t>
+              <a:spcBef>
+                <a:spcPts val="3000"/>
+              </a:spcBef>
+              <a:buNone/>
+            </a:pPr>
+            <a:r>
+              <a:rPr b="1"/>
+              <a:t>Democratizing DeFi Infrastructure</a:t>
+            </a:r>
+          </a:p>
+          <a:p>
+            <a:pPr lvl="0" indent="0" marL="0">
+              <a:buNone/>
+            </a:pPr>
+            <a:r>
+              <a:rPr b="1"/>
+              <a:t>Today:</a:t>
+            </a:r>
+            <a:r>
+              <a:rPr/>
+              <a:t> 200 vault protocols built by elite teams</a:t>
+            </a:r>
+          </a:p>
+          <a:p>
+            <a:pPr lvl="0" indent="0" marL="0">
+              <a:buNone/>
+            </a:pPr>
+            <a:r>
+              <a:rPr b="1"/>
+              <a:t>Tomorrow:</a:t>
+            </a:r>
+            <a:r>
+              <a:rPr/>
+              <a:t> 10,000+ vaults built by the community</a:t>
+            </a:r>
+          </a:p>
+          <a:p>
+            <a:pPr lvl="0" indent="0" marL="0">
+              <a:buNone/>
+            </a:pPr>
+            <a:r>
+              <a:rPr b="1"/>
+              <a:t>Vibe Vault enables:</a:t>
+            </a:r>
+            <a:r>
+              <a:rPr/>
+              <a:t> - Every DeFi user to become a protocol founder - Every strategy idea to become deployable - Every blockchain to access DeFi innovation - Every yield opportunity to be captured</a:t>
+            </a:r>
+          </a:p>
+          <a:p>
+            <a:pPr lvl="0" indent="0" marL="0">
+              <a:buNone/>
+            </a:pPr>
+            <a:r>
+              <a:rPr b="1"/>
+              <a:t>We’re not building another vault.</a:t>
+            </a:r>
+            <a:r>
+              <a:rPr/>
+              <a:t> </a:t>
+            </a:r>
+            <a:r>
+              <a:rPr b="1"/>
+              <a:t>We’re building the infrastructure for 10,000 vaults.</a:t>
+            </a:r>
+          </a:p>
+          <a:p>
+            <a:pPr lvl="0" indent="0" marL="0">
+              <a:buNone/>
+            </a:pPr>
+            <a:r>
+              <a:rPr i="1"/>
+              <a:t>Natural language → Production vaults → Any blockchain</a:t>
+            </a:r>
+          </a:p>
+          <a:p>
+            <a:pPr lvl="0" indent="0" marL="0">
+              <a:buNone/>
+            </a:pPr>
+            <a:r>
+              <a:rPr b="1"/>
+              <a:t>Join us in democratizing DeFi.</a:t>
             </a:r>
           </a:p>
         </p:txBody>
@@ -5945,7 +6076,7 @@
             </a:pPr>
             <a:r>
               <a:rPr/>
-              <a:t>Appendix: Technical Deep Dive</a:t>
+              <a:t>Slide 21: Contact &amp; Resources</a:t>
             </a:r>
           </a:p>
         </p:txBody>
@@ -5966,75 +6097,24 @@
           <a:lstStyle/>
           <a:p>
             <a:pPr lvl="0" indent="0" marL="0">
-              <a:spcBef>
-                <a:spcPts val="3000"/>
-              </a:spcBef>
-              <a:buNone/>
-            </a:pPr>
-            <a:r>
-              <a:rPr b="1"/>
-              <a:t>AI Contract Generation Process (For Technical Audience)</a:t>
-            </a:r>
-          </a:p>
-          <a:p>
-            <a:pPr lvl="0" indent="0" marL="0">
-              <a:buNone/>
-            </a:pPr>
-            <a:r>
-              <a:rPr b="1"/>
-              <a:t>Step 1: Natural Language Parsing</a:t>
-            </a:r>
-            <a:r>
-              <a:rPr/>
-              <a:t> - LLM extracts: asset types, protocols, LTV ratios, rebalancing rules - Validates parameters against safety bounds - Identifies required protocol integrations</a:t>
-            </a:r>
-          </a:p>
-          <a:p>
-            <a:pPr lvl="0" indent="0" marL="0">
-              <a:buNone/>
-            </a:pPr>
-            <a:r>
-              <a:rPr b="1"/>
-              <a:t>Step 2: Contract Templating</a:t>
-            </a:r>
-            <a:r>
-              <a:rPr/>
-              <a:t> - Selects audited ERC-4626 base template - Injects strategy-specific logic - Generates harvest functions, rebalancing mechanisms - Adds emergency exit and pause functionality</a:t>
-            </a:r>
-          </a:p>
-          <a:p>
-            <a:pPr lvl="0" indent="0" marL="0">
-              <a:buNone/>
-            </a:pPr>
-            <a:r>
-              <a:rPr b="1"/>
-              <a:t>Step 3: Security Validation</a:t>
-            </a:r>
-            <a:r>
-              <a:rPr/>
-              <a:t> - Checks for reentrancy vulnerabilities - Validates access control patterns - Ensures proper decimal handling - Flags unsafe protocol interactions - Rejects strategies with risk parameters above thresholds</a:t>
-            </a:r>
-          </a:p>
-          <a:p>
-            <a:pPr lvl="0" indent="0" marL="0">
-              <a:buNone/>
-            </a:pPr>
-            <a:r>
-              <a:rPr b="1"/>
-              <a:t>Step 4: Gas Optimization</a:t>
-            </a:r>
-            <a:r>
-              <a:rPr/>
-              <a:t> - Optimizes storage patterns - Batches external calls - Minimizes SLOAD/SSTORE operations - Calculates estimated gas costs</a:t>
-            </a:r>
-          </a:p>
-          <a:p>
-            <a:pPr lvl="0" indent="0" marL="0">
-              <a:buNone/>
-            </a:pPr>
-            <a:r>
-              <a:rPr b="1"/>
-              <a:t>Step 5: Multi-Language Generation</a:t>
+              <a:buNone/>
+            </a:pPr>
+            <a:r>
+              <a:rPr b="1"/>
+              <a:t>Project Lead:</a:t>
+            </a:r>
+            <a:r>
+              <a:rPr/>
+              <a:t> Taariq Lewis</a:t>
+            </a:r>
+          </a:p>
+          <a:p>
+            <a:pPr lvl="0" indent="0" marL="0">
+              <a:buNone/>
+            </a:pPr>
+            <a:r>
+              <a:rPr b="1"/>
+              <a:t>Links:</a:t>
             </a:r>
             <a:r>
               <a:rPr/>
@@ -6042,48 +6122,113 @@
             </a:r>
             <a:r>
               <a:rPr b="1"/>
-              <a:t>Solidity:</a:t>
-            </a:r>
-            <a:r>
-              <a:rPr/>
-              <a:t> ERC-4626 vault + strategy contracts - </a:t>
-            </a:r>
-            <a:r>
-              <a:rPr b="1"/>
-              <a:t>Vyper:</a:t>
-            </a:r>
-            <a:r>
-              <a:rPr/>
-              <a:t> Safety-focused alternative implementation - </a:t>
-            </a:r>
-            <a:r>
-              <a:rPr b="1"/>
-              <a:t>CosmWasm:</a:t>
-            </a:r>
-            <a:r>
-              <a:rPr/>
-              <a:t> Paloma Chain job management - </a:t>
-            </a:r>
-            <a:r>
-              <a:rPr b="1"/>
-              <a:t>Python/JS:</a:t>
-            </a:r>
-            <a:r>
-              <a:rPr/>
-              <a:t> Off-chain monitoring and rebalancing scripts</a:t>
-            </a:r>
-          </a:p>
-          <a:p>
-            <a:pPr lvl="0" indent="0" marL="0">
-              <a:buNone/>
-            </a:pPr>
-            <a:r>
-              <a:rPr b="1"/>
-              <a:t>Step 6: Testing &amp; Deployment</a:t>
-            </a:r>
-            <a:r>
-              <a:rPr/>
-              <a:t> - Generates Foundry/Hardhat test suite - Simulates deposits, withdrawals, harvests - Deploys via Paloma Chain to target blockchains</a:t>
+              <a:t>Website:</a:t>
+            </a:r>
+            <a:r>
+              <a:rPr/>
+              <a:t> [To be launched] - </a:t>
+            </a:r>
+            <a:r>
+              <a:rPr b="1"/>
+              <a:t>GitHub:</a:t>
+            </a:r>
+            <a:r>
+              <a:rPr/>
+              <a:t> https://github.com/serenorg/vibe-vault - </a:t>
+            </a:r>
+            <a:r>
+              <a:rPr b="1"/>
+              <a:t>Documentation:</a:t>
+            </a:r>
+            <a:r>
+              <a:rPr/>
+              <a:t> See </a:t>
+            </a:r>
+            <a:r>
+              <a:rPr>
+                <a:latin typeface="Courier"/>
+              </a:rPr>
+              <a:t>/docs</a:t>
+            </a:r>
+            <a:r>
+              <a:rPr/>
+              <a:t> folder - </a:t>
+            </a:r>
+            <a:r>
+              <a:rPr b="1"/>
+              <a:t>Paloma Chain:</a:t>
+            </a:r>
+            <a:r>
+              <a:rPr/>
+              <a:t> https://palomachain.com - </a:t>
+            </a:r>
+            <a:r>
+              <a:rPr b="1"/>
+              <a:t>SerenDB:</a:t>
+            </a:r>
+            <a:r>
+              <a:rPr/>
+              <a:t> https://serendb.com - </a:t>
+            </a:r>
+            <a:r>
+              <a:rPr b="1"/>
+              <a:t>Legion Platform:</a:t>
+            </a:r>
+            <a:r>
+              <a:rPr/>
+              <a:t> https://legion.cc</a:t>
+            </a:r>
+          </a:p>
+          <a:p>
+            <a:pPr lvl="0" indent="0" marL="0">
+              <a:buNone/>
+            </a:pPr>
+            <a:r>
+              <a:rPr b="1"/>
+              <a:t>Proposal Documents:</a:t>
+            </a:r>
+            <a:r>
+              <a:rPr/>
+              <a:t> - Legion ICO Proposal: </a:t>
+            </a:r>
+            <a:r>
+              <a:rPr>
+                <a:latin typeface="Courier"/>
+              </a:rPr>
+              <a:t>/docs/Legion_ICO_Proposal_Vibe_Vault.md</a:t>
+            </a:r>
+            <a:r>
+              <a:rPr/>
+              <a:t> - Sample Vault Spec: </a:t>
+            </a:r>
+            <a:r>
+              <a:rPr>
+                <a:latin typeface="Courier"/>
+              </a:rPr>
+              <a:t>/docs/Cross-Chain Leveraged Perpetual Vault.md</a:t>
+            </a:r>
+            <a:r>
+              <a:rPr/>
+              <a:t> - Technical Architecture: </a:t>
+            </a:r>
+            <a:r>
+              <a:rPr>
+                <a:latin typeface="Courier"/>
+              </a:rPr>
+              <a:t>CLAUDE.md</a:t>
+            </a:r>
+          </a:p>
+          <a:p>
+            <a:pPr lvl="0" indent="0" marL="0">
+              <a:buNone/>
+            </a:pPr>
+            <a:r>
+              <a:rPr b="1"/>
+              <a:t>For Inquiries:</a:t>
+            </a:r>
+            <a:r>
+              <a:rPr/>
+              <a:t> - [Email/Telegram/Discord to be added]</a:t>
             </a:r>
           </a:p>
         </p:txBody>
@@ -6130,7 +6275,7 @@
             </a:pPr>
             <a:r>
               <a:rPr/>
-              <a:t>Appendix: SerenDB Architecture</a:t>
+              <a:t>Appendix: Technical Deep Dive</a:t>
             </a:r>
           </a:p>
         </p:txBody>
@@ -6158,59 +6303,117 @@
             </a:pPr>
             <a:r>
               <a:rPr b="1"/>
-              <a:t>AI-Native Database for Vault Intelligence</a:t>
-            </a:r>
-          </a:p>
-          <a:p>
-            <a:pPr lvl="0" indent="0" marL="0">
-              <a:buNone/>
-            </a:pPr>
-            <a:r>
-              <a:rPr b="1"/>
-              <a:t>Core Capabilities:</a:t>
-            </a:r>
-            <a:r>
-              <a:rPr/>
-              <a:t> - Vector embeddings for semantic vault search - Real-time blockchain state indexing - Historical performance analytics - Context management for AI recommendations</a:t>
-            </a:r>
-          </a:p>
-          <a:p>
-            <a:pPr lvl="0" indent="0" marL="0">
-              <a:buNone/>
-            </a:pPr>
-            <a:r>
-              <a:rPr b="1"/>
-              <a:t>Data Stored:</a:t>
-            </a:r>
-            <a:r>
-              <a:rPr/>
-              <a:t> - Vault configurations and deployment history - Performance metrics (TVL, APY, fees collected) - Strategy patterns and success rates - User preferences and vault templates - Protocol integration parameters</a:t>
-            </a:r>
-          </a:p>
-          <a:p>
-            <a:pPr lvl="0" indent="0" marL="0">
-              <a:buNone/>
-            </a:pPr>
-            <a:r>
-              <a:rPr b="1"/>
-              <a:t>AI Integration:</a:t>
-            </a:r>
-            <a:r>
-              <a:rPr/>
-              <a:t> - Provides context for contract generation - Learns from successful vault patterns - Recommends optimal protocol combinations - Predicts yield opportunities based on historical data</a:t>
-            </a:r>
-          </a:p>
-          <a:p>
-            <a:pPr lvl="0" indent="0" marL="0">
-              <a:buNone/>
-            </a:pPr>
-            <a:r>
-              <a:rPr b="1"/>
-              <a:t>Infrastructure:</a:t>
-            </a:r>
-            <a:r>
-              <a:rPr/>
-              <a:t> - Production-ready, globally distributed - Sub-100ms query latency - Handles real-time blockchain data ingestion - Scales to 10,000+ vaults without performance degradation</a:t>
+              <a:t>AI Contract Generation Process (For Technical Audience)</a:t>
+            </a:r>
+          </a:p>
+          <a:p>
+            <a:pPr lvl="0" indent="0" marL="0">
+              <a:buNone/>
+            </a:pPr>
+            <a:r>
+              <a:rPr b="1"/>
+              <a:t>Step 1: Natural Language Parsing</a:t>
+            </a:r>
+            <a:r>
+              <a:rPr/>
+              <a:t> - LLM extracts: asset types, protocols, LTV ratios, rebalancing rules - Validates parameters against safety bounds - Identifies required protocol integrations</a:t>
+            </a:r>
+          </a:p>
+          <a:p>
+            <a:pPr lvl="0" indent="0" marL="0">
+              <a:buNone/>
+            </a:pPr>
+            <a:r>
+              <a:rPr b="1"/>
+              <a:t>Step 2: Contract Templating</a:t>
+            </a:r>
+            <a:r>
+              <a:rPr/>
+              <a:t> - Selects audited ERC-4626 base template - Injects strategy-specific logic - Generates harvest functions, rebalancing mechanisms - Adds emergency exit and pause functionality</a:t>
+            </a:r>
+          </a:p>
+          <a:p>
+            <a:pPr lvl="0" indent="0" marL="0">
+              <a:buNone/>
+            </a:pPr>
+            <a:r>
+              <a:rPr b="1"/>
+              <a:t>Step 3: Security Validation</a:t>
+            </a:r>
+            <a:r>
+              <a:rPr/>
+              <a:t> - Checks for reentrancy vulnerabilities - Validates access control patterns - Ensures proper decimal handling - Flags unsafe protocol interactions - Rejects strategies with risk parameters above thresholds</a:t>
+            </a:r>
+          </a:p>
+          <a:p>
+            <a:pPr lvl="0" indent="0" marL="0">
+              <a:buNone/>
+            </a:pPr>
+            <a:r>
+              <a:rPr b="1"/>
+              <a:t>Step 4: Gas Optimization</a:t>
+            </a:r>
+            <a:r>
+              <a:rPr/>
+              <a:t> - Optimizes storage patterns - Batches external calls - Minimizes SLOAD/SSTORE operations - Calculates estimated gas costs</a:t>
+            </a:r>
+          </a:p>
+          <a:p>
+            <a:pPr lvl="0" indent="0" marL="0">
+              <a:buNone/>
+            </a:pPr>
+            <a:r>
+              <a:rPr b="1"/>
+              <a:t>Step 5: Multi-Language Generation</a:t>
+            </a:r>
+            <a:r>
+              <a:rPr/>
+              <a:t> - </a:t>
+            </a:r>
+            <a:r>
+              <a:rPr b="1"/>
+              <a:t>Solidity:</a:t>
+            </a:r>
+            <a:r>
+              <a:rPr/>
+              <a:t> ERC-4626 vault + strategy contracts - </a:t>
+            </a:r>
+            <a:r>
+              <a:rPr b="1"/>
+              <a:t>Vyper:</a:t>
+            </a:r>
+            <a:r>
+              <a:rPr/>
+              <a:t> Safety-focused alternative implementation - </a:t>
+            </a:r>
+            <a:r>
+              <a:rPr b="1"/>
+              <a:t>CosmWasm:</a:t>
+            </a:r>
+            <a:r>
+              <a:rPr/>
+              <a:t> Paloma Chain job management - </a:t>
+            </a:r>
+            <a:r>
+              <a:rPr b="1"/>
+              <a:t>Python/JS:</a:t>
+            </a:r>
+            <a:r>
+              <a:rPr/>
+              <a:t> Off-chain monitoring and rebalancing scripts</a:t>
+            </a:r>
+          </a:p>
+          <a:p>
+            <a:pPr lvl="0" indent="0" marL="0">
+              <a:buNone/>
+            </a:pPr>
+            <a:r>
+              <a:rPr b="1"/>
+              <a:t>Step 6: Testing &amp; Deployment</a:t>
+            </a:r>
+            <a:r>
+              <a:rPr/>
+              <a:t> - Generates Foundry/Hardhat test suite - Simulates deposits, withdrawals, harvests - Deploys via Paloma Chain to target blockchains</a:t>
             </a:r>
           </a:p>
         </p:txBody>
@@ -6257,7 +6460,7 @@
             </a:pPr>
             <a:r>
               <a:rPr/>
-              <a:t>Appendix: Competitive Analysis Detail</a:t>
+              <a:t>Appendix: SerenDB Architecture</a:t>
             </a:r>
           </a:p>
         </p:txBody>
@@ -6285,72 +6488,59 @@
             </a:pPr>
             <a:r>
               <a:rPr b="1"/>
-              <a:t>Market Positioning vs. Existing Solutions</a:t>
-            </a:r>
-          </a:p>
-          <a:p>
-            <a:pPr lvl="0" indent="0" marL="0">
-              <a:buNone/>
-            </a:pPr>
-            <a:r>
-              <a:rPr b="1"/>
-              <a:t>vs. Yearn Finance:</a:t>
-            </a:r>
-            <a:r>
-              <a:rPr/>
-              <a:t> - Yearn: Curated vaults by core team - Vibe Vault: Permissionless vault creation by anyone - Advantage: 100x more strategies, faster innovation</a:t>
-            </a:r>
-          </a:p>
-          <a:p>
-            <a:pPr lvl="0" indent="0" marL="0">
-              <a:buNone/>
-            </a:pPr>
-            <a:r>
-              <a:rPr b="1"/>
-              <a:t>vs. Beefy Finance:</a:t>
-            </a:r>
-            <a:r>
-              <a:rPr/>
-              <a:t> - Beefy: Manual multi-chain deployment by team - Vibe Vault: Automated AI-powered multi-chain deployment - Advantage: Lower cost, faster time to market</a:t>
-            </a:r>
-          </a:p>
-          <a:p>
-            <a:pPr lvl="0" indent="0" marL="0">
-              <a:buNone/>
-            </a:pPr>
-            <a:r>
-              <a:rPr b="1"/>
-              <a:t>vs. Traditional Development:</a:t>
-            </a:r>
-            <a:r>
-              <a:rPr/>
-              <a:t> - Traditional: $50K-$200K, 3-6 months, requires team - Vibe Vault: $500-$5K, minutes, solo creator - Advantage: 10-100x cost reduction, 1000x time reduction</a:t>
-            </a:r>
-          </a:p>
-          <a:p>
-            <a:pPr lvl="0" indent="0" marL="0">
-              <a:buNone/>
-            </a:pPr>
-            <a:r>
-              <a:rPr b="1"/>
-              <a:t>vs. No-Code DeFi Tools (e.g., DeFi Saver):</a:t>
-            </a:r>
-            <a:r>
-              <a:rPr/>
-              <a:t> - Existing: Personal automation, no vault creation - Vibe Vault: Protocol-level vault deployment - Advantage: Build actual protocols, not just personal strategies</a:t>
-            </a:r>
-          </a:p>
-          <a:p>
-            <a:pPr lvl="0" indent="0" marL="0">
-              <a:buNone/>
-            </a:pPr>
-            <a:r>
-              <a:rPr b="1"/>
-              <a:t>Why We Win:</a:t>
-            </a:r>
-            <a:r>
-              <a:rPr/>
-              <a:t> - First mover in AI vault generation - Paloma infrastructure moat (decentralized deployment) - Network effects (more vaults = more data = better AI) - Open source (community contributions accelerate development)</a:t>
+              <a:t>AI-Native Database for Vault Intelligence</a:t>
+            </a:r>
+          </a:p>
+          <a:p>
+            <a:pPr lvl="0" indent="0" marL="0">
+              <a:buNone/>
+            </a:pPr>
+            <a:r>
+              <a:rPr b="1"/>
+              <a:t>Core Capabilities:</a:t>
+            </a:r>
+            <a:r>
+              <a:rPr/>
+              <a:t> - Vector embeddings for semantic vault search - Real-time blockchain state indexing - Historical performance analytics - Context management for AI recommendations</a:t>
+            </a:r>
+          </a:p>
+          <a:p>
+            <a:pPr lvl="0" indent="0" marL="0">
+              <a:buNone/>
+            </a:pPr>
+            <a:r>
+              <a:rPr b="1"/>
+              <a:t>Data Stored:</a:t>
+            </a:r>
+            <a:r>
+              <a:rPr/>
+              <a:t> - Vault configurations and deployment history - Performance metrics (TVL, APY, fees collected) - Strategy patterns and success rates - User preferences and vault templates - Protocol integration parameters</a:t>
+            </a:r>
+          </a:p>
+          <a:p>
+            <a:pPr lvl="0" indent="0" marL="0">
+              <a:buNone/>
+            </a:pPr>
+            <a:r>
+              <a:rPr b="1"/>
+              <a:t>AI Integration:</a:t>
+            </a:r>
+            <a:r>
+              <a:rPr/>
+              <a:t> - Provides context for contract generation - Learns from successful vault patterns - Recommends optimal protocol combinations - Predicts yield opportunities based on historical data</a:t>
+            </a:r>
+          </a:p>
+          <a:p>
+            <a:pPr lvl="0" indent="0" marL="0">
+              <a:buNone/>
+            </a:pPr>
+            <a:r>
+              <a:rPr b="1"/>
+              <a:t>Infrastructure:</a:t>
+            </a:r>
+            <a:r>
+              <a:rPr/>
+              <a:t> - Production-ready, globally distributed - Sub-100ms query latency - Handles real-time blockchain data ingestion - Scales to 10,000+ vaults without performance degradation</a:t>
             </a:r>
           </a:p>
         </p:txBody>
@@ -6397,7 +6587,7 @@
             </a:pPr>
             <a:r>
               <a:rPr/>
-              <a:t>Appendix: Regulatory Considerations</a:t>
+              <a:t>Appendix: Competitive Analysis Detail</a:t>
             </a:r>
           </a:p>
         </p:txBody>
@@ -6425,72 +6615,72 @@
             </a:pPr>
             <a:r>
               <a:rPr b="1"/>
-              <a:t>Compliance Strategy</a:t>
-            </a:r>
-          </a:p>
-          <a:p>
-            <a:pPr lvl="0" indent="0" marL="0">
-              <a:buNone/>
-            </a:pPr>
-            <a:r>
-              <a:rPr b="1"/>
-              <a:t>MiCA Framework (via Legion):</a:t>
-            </a:r>
-            <a:r>
-              <a:rPr/>
-              <a:t> - EU-compliant token sale structure - KYC/AML procedures handled by Legion - Restricted to approved jurisdictions - Excludes US persons and sanctioned countries</a:t>
-            </a:r>
-          </a:p>
-          <a:p>
-            <a:pPr lvl="0" indent="0" marL="0">
-              <a:buNone/>
-            </a:pPr>
-            <a:r>
-              <a:rPr b="1"/>
-              <a:t>Platform Liability:</a:t>
-            </a:r>
-            <a:r>
-              <a:rPr/>
-              <a:t> - Vibe Vault is infrastructure, not a financial service - Users deploy their own contracts (like AWS or GitHub) - Terms of Service clarify user responsibility - AI-generated code comes with security disclaimers</a:t>
-            </a:r>
-          </a:p>
-          <a:p>
-            <a:pPr lvl="0" indent="0" marL="0">
-              <a:buNone/>
-            </a:pPr>
-            <a:r>
-              <a:rPr b="1"/>
-              <a:t>Securities Considerations:</a:t>
-            </a:r>
-            <a:r>
-              <a:rPr/>
-              <a:t> - VVAULT is a governance token, not a security - No profit-sharing or equity claims - Utility: governance rights, fee parameter voting - Staking rewards from protocol fees (not token inflation)</a:t>
-            </a:r>
-          </a:p>
-          <a:p>
-            <a:pPr lvl="0" indent="0" marL="0">
-              <a:buNone/>
-            </a:pPr>
-            <a:r>
-              <a:rPr b="1"/>
-              <a:t>Geographic Restrictions:</a:t>
-            </a:r>
-            <a:r>
-              <a:rPr/>
-              <a:t> - US persons excluded from ICO - Platform accessible globally (users verify own compliance) - Terms of Service restricts sanctioned jurisdictions</a:t>
-            </a:r>
-          </a:p>
-          <a:p>
-            <a:pPr lvl="0" indent="0" marL="0">
-              <a:buNone/>
-            </a:pPr>
-            <a:r>
-              <a:rPr b="1"/>
-              <a:t>Legal Budget:</a:t>
-            </a:r>
-            <a:r>
-              <a:rPr/>
-              <a:t> - $30K allocated in Multi-Chain Infrastructure budget - Covers ongoing compliance counsel - Entity formation (DAO LLC or equivalent) - Terms of Service and legal documentation</a:t>
+              <a:t>Market Positioning vs. Existing Solutions</a:t>
+            </a:r>
+          </a:p>
+          <a:p>
+            <a:pPr lvl="0" indent="0" marL="0">
+              <a:buNone/>
+            </a:pPr>
+            <a:r>
+              <a:rPr b="1"/>
+              <a:t>vs. Yearn Finance:</a:t>
+            </a:r>
+            <a:r>
+              <a:rPr/>
+              <a:t> - Yearn: Curated vaults by core team - Vibe Vault: Permissionless vault creation by anyone - Advantage: 100x more strategies, faster innovation</a:t>
+            </a:r>
+          </a:p>
+          <a:p>
+            <a:pPr lvl="0" indent="0" marL="0">
+              <a:buNone/>
+            </a:pPr>
+            <a:r>
+              <a:rPr b="1"/>
+              <a:t>vs. Beefy Finance:</a:t>
+            </a:r>
+            <a:r>
+              <a:rPr/>
+              <a:t> - Beefy: Manual multi-chain deployment by team - Vibe Vault: Automated AI-powered multi-chain deployment - Advantage: Lower cost, faster time to market</a:t>
+            </a:r>
+          </a:p>
+          <a:p>
+            <a:pPr lvl="0" indent="0" marL="0">
+              <a:buNone/>
+            </a:pPr>
+            <a:r>
+              <a:rPr b="1"/>
+              <a:t>vs. Traditional Development:</a:t>
+            </a:r>
+            <a:r>
+              <a:rPr/>
+              <a:t> - Traditional: $50K-$200K, 3-6 months, requires team - Vibe Vault: $500-$5K, minutes, solo creator - Advantage: 10-100x cost reduction, 1000x time reduction</a:t>
+            </a:r>
+          </a:p>
+          <a:p>
+            <a:pPr lvl="0" indent="0" marL="0">
+              <a:buNone/>
+            </a:pPr>
+            <a:r>
+              <a:rPr b="1"/>
+              <a:t>vs. No-Code DeFi Tools (e.g., DeFi Saver):</a:t>
+            </a:r>
+            <a:r>
+              <a:rPr/>
+              <a:t> - Existing: Personal automation, no vault creation - Vibe Vault: Protocol-level vault deployment - Advantage: Build actual protocols, not just personal strategies</a:t>
+            </a:r>
+          </a:p>
+          <a:p>
+            <a:pPr lvl="0" indent="0" marL="0">
+              <a:buNone/>
+            </a:pPr>
+            <a:r>
+              <a:rPr b="1"/>
+              <a:t>Why We Win:</a:t>
+            </a:r>
+            <a:r>
+              <a:rPr/>
+              <a:t> - First mover in AI vault generation - Paloma infrastructure moat (decentralized deployment) - Network effects (more vaults = more data = better AI) - Open source (community contributions accelerate development)</a:t>
             </a:r>
           </a:p>
         </p:txBody>
@@ -6501,6 +6691,146 @@
 </file>
 
 <file path=ppt/slides/slide28.xml><?xml version="1.0" encoding="utf-8"?>
+<p:sld xmlns:a="http://schemas.openxmlformats.org/drawingml/2006/main" xmlns:r="http://schemas.openxmlformats.org/officeDocument/2006/relationships" xmlns:p="http://schemas.openxmlformats.org/presentationml/2006/main">
+  <p:cSld>
+    <p:spTree>
+      <p:nvGrpSpPr>
+        <p:cNvPr id="1" name=""/>
+        <p:cNvGrpSpPr/>
+        <p:nvPr/>
+      </p:nvGrpSpPr>
+      <p:grpSpPr>
+        <a:xfrm>
+          <a:off x="0" y="0"/>
+          <a:ext cx="0" cy="0"/>
+          <a:chOff x="0" y="0"/>
+          <a:chExt cx="0" cy="0"/>
+        </a:xfrm>
+      </p:grpSpPr>
+      <p:sp>
+        <p:nvSpPr>
+          <p:cNvPr id="2" name="Title 1"/>
+          <p:cNvSpPr>
+            <a:spLocks noGrp="1"/>
+          </p:cNvSpPr>
+          <p:nvPr>
+            <p:ph type="title"/>
+          </p:nvPr>
+        </p:nvSpPr>
+        <p:spPr/>
+        <p:txBody>
+          <a:bodyPr/>
+          <a:lstStyle/>
+          <a:p>
+            <a:pPr lvl="0" indent="0" marL="0">
+              <a:buNone/>
+            </a:pPr>
+            <a:r>
+              <a:rPr/>
+              <a:t>Appendix: Regulatory Considerations</a:t>
+            </a:r>
+          </a:p>
+        </p:txBody>
+      </p:sp>
+      <p:sp>
+        <p:nvSpPr>
+          <p:cNvPr id="3" name="Content Placeholder 2"/>
+          <p:cNvSpPr>
+            <a:spLocks noGrp="1"/>
+          </p:cNvSpPr>
+          <p:nvPr>
+            <p:ph idx="1"/>
+          </p:nvPr>
+        </p:nvSpPr>
+        <p:spPr/>
+        <p:txBody>
+          <a:bodyPr/>
+          <a:lstStyle/>
+          <a:p>
+            <a:pPr lvl="0" indent="0" marL="0">
+              <a:spcBef>
+                <a:spcPts val="3000"/>
+              </a:spcBef>
+              <a:buNone/>
+            </a:pPr>
+            <a:r>
+              <a:rPr b="1"/>
+              <a:t>Compliance Strategy</a:t>
+            </a:r>
+          </a:p>
+          <a:p>
+            <a:pPr lvl="0" indent="0" marL="0">
+              <a:buNone/>
+            </a:pPr>
+            <a:r>
+              <a:rPr b="1"/>
+              <a:t>MiCA Framework (via Legion):</a:t>
+            </a:r>
+            <a:r>
+              <a:rPr/>
+              <a:t> - EU-compliant token sale structure - KYC/AML procedures handled by Legion - Restricted to approved jurisdictions - Excludes US persons and sanctioned countries</a:t>
+            </a:r>
+          </a:p>
+          <a:p>
+            <a:pPr lvl="0" indent="0" marL="0">
+              <a:buNone/>
+            </a:pPr>
+            <a:r>
+              <a:rPr b="1"/>
+              <a:t>Platform Liability:</a:t>
+            </a:r>
+            <a:r>
+              <a:rPr/>
+              <a:t> - Vibe Vault is infrastructure, not a financial service - Users deploy their own contracts (like AWS or GitHub) - Terms of Service clarify user responsibility - AI-generated code comes with security disclaimers</a:t>
+            </a:r>
+          </a:p>
+          <a:p>
+            <a:pPr lvl="0" indent="0" marL="0">
+              <a:buNone/>
+            </a:pPr>
+            <a:r>
+              <a:rPr b="1"/>
+              <a:t>Securities Considerations:</a:t>
+            </a:r>
+            <a:r>
+              <a:rPr/>
+              <a:t> - VVAULT is a governance token, not a security - No profit-sharing or equity claims - Utility: governance rights, fee parameter voting - Staking rewards from protocol fees (not token inflation)</a:t>
+            </a:r>
+          </a:p>
+          <a:p>
+            <a:pPr lvl="0" indent="0" marL="0">
+              <a:buNone/>
+            </a:pPr>
+            <a:r>
+              <a:rPr b="1"/>
+              <a:t>Geographic Restrictions:</a:t>
+            </a:r>
+            <a:r>
+              <a:rPr/>
+              <a:t> - US persons excluded from ICO - Platform accessible globally (users verify own compliance) - Terms of Service restricts sanctioned jurisdictions</a:t>
+            </a:r>
+          </a:p>
+          <a:p>
+            <a:pPr lvl="0" indent="0" marL="0">
+              <a:buNone/>
+            </a:pPr>
+            <a:r>
+              <a:rPr b="1"/>
+              <a:t>Legal Budget:</a:t>
+            </a:r>
+            <a:r>
+              <a:rPr/>
+              <a:t> - $30K allocated in Multi-Chain Infrastructure budget - Covers ongoing compliance counsel - Entity formation (DAO LLC or equivalent) - Terms of Service and legal documentation</a:t>
+            </a:r>
+          </a:p>
+        </p:txBody>
+      </p:sp>
+    </p:spTree>
+  </p:cSld>
+</p:sld>
+</file>
+
+<file path=ppt/slides/slide29.xml><?xml version="1.0" encoding="utf-8"?>
 <p:sld xmlns:a="http://schemas.openxmlformats.org/drawingml/2006/main" xmlns:r="http://schemas.openxmlformats.org/officeDocument/2006/relationships" xmlns:p="http://schemas.openxmlformats.org/presentationml/2006/main">
   <p:cSld>
     <p:spTree>

--- a/docs/Vibe_Vault_Legion_Pitch_Deck.pptx
+++ b/docs/Vibe_Vault_Legion_Pitch_Deck.pptx
@@ -3367,7 +3367,7 @@
             </a:r>
             <a:r>
               <a:rPr/>
-              <a:t> ($804M+ TVL) and </a:t>
+              <a:t> ($965M+ TVL) and </a:t>
             </a:r>
             <a:r>
               <a:rPr b="1"/>
@@ -3457,7 +3457,7 @@
             </a:r>
             <a:r>
               <a:rPr/>
-              <a:t> - Create custom Yearn strategies without coding - Charge your own management fees (you become the vault operator) - Access $804M+ Yearn ecosystem TVL and proven strategies - Deploy in minutes vs. months of traditional development</a:t>
+              <a:t> - Create custom Yearn strategies without coding - Charge your own management fees (you become the vault operator) - Access $965M+ Yearn ecosystem TVL and proven strategies - Deploy in minutes vs. months of traditional development</a:t>
             </a:r>
           </a:p>
           <a:p>
@@ -3499,7 +3499,7 @@
             </a:r>
             <a:r>
               <a:rPr/>
-              <a:t> Partnership with #1 DeFi yield aggregator ($804M+ TVL) - </a:t>
+              <a:t> Partnership with #1 DeFi yield aggregator ($965M+ TVL) - </a:t>
             </a:r>
             <a:r>
               <a:rPr b="1"/>
@@ -3515,7 +3515,7 @@
             </a:r>
             <a:r>
               <a:rPr/>
-              <a:t> 18 battle-tested vaults to template and compose</a:t>
+              <a:t> 33 battle-tested vaults to template and compose</a:t>
             </a:r>
           </a:p>
           <a:p>
@@ -3558,7 +3558,7 @@
             </a:r>
             <a:r>
               <a:rPr b="1"/>
-              <a:t>18 Yearn Vaults</a:t>
+              <a:t>33 Yearn Vaults</a:t>
             </a:r>
             <a:r>
               <a:rPr/>
@@ -3566,7 +3566,7 @@
             </a:r>
             <a:r>
               <a:rPr b="1"/>
-              <a:t>$804.21M TVL</a:t>
+              <a:t>$965.92M TVL</a:t>
             </a:r>
             <a:r>
               <a:rPr/>
